--- a/zebee.pptx
+++ b/zebee.pptx
@@ -141,1499 +141,10 @@
     <p1510:client id="{7D956C1B-57C9-5D8B-75D2-BBC33675FF44}" v="9" dt="2020-11-20T18:19:43.858"/>
     <p1510:client id="{9E25CFD8-5CA1-E81F-DE54-47CAA7B1C89C}" v="4619" dt="2020-11-20T18:01:48.406"/>
     <p1510:client id="{A7FE0890-120D-4263-B5D8-9D2E24F6ED2C}" v="2587" dt="2020-11-15T17:13:36.360"/>
+    <p1510:client id="{A919E8CB-7C46-EC42-E111-0E399D954875}" v="18" dt="2020-11-20T23:26:21.345"/>
     <p1510:client id="{D3F5B21F-9CA7-4383-926B-1FCD2DEE93DD}" v="499" dt="2020-11-20T13:45:20.654"/>
   </p1510:revLst>
 </p1510:revInfo>
-</file>
-
-<file path=ppt/changesInfos/changesInfo1.xml><?xml version="1.0" encoding="utf-8"?>
-<pc:chgInfo xmlns:a="http://schemas.openxmlformats.org/drawingml/2006/main" xmlns:r="http://schemas.openxmlformats.org/officeDocument/2006/relationships" xmlns:ac="http://schemas.microsoft.com/office/drawing/2013/main/command" xmlns:pc="http://schemas.microsoft.com/office/powerpoint/2013/main/command">
-  <pc:docChgLst>
-    <pc:chgData name="Vitus Forsmann" userId="S::forsmann@objectcode.de::f3f602c2-190d-40ed-9986-6fb24ba2ea79" providerId="AD" clId="Web-{706FDD0D-C0F8-A2A8-0BBE-09CB02206617}"/>
-    <pc:docChg chg="addSld delSld modSld sldOrd">
-      <pc:chgData name="Vitus Forsmann" userId="S::forsmann@objectcode.de::f3f602c2-190d-40ed-9986-6fb24ba2ea79" providerId="AD" clId="Web-{706FDD0D-C0F8-A2A8-0BBE-09CB02206617}" dt="2020-11-18T09:48:22.015" v="139" actId="20577"/>
-      <pc:docMkLst>
-        <pc:docMk/>
-      </pc:docMkLst>
-      <pc:sldChg chg="modSp">
-        <pc:chgData name="Vitus Forsmann" userId="S::forsmann@objectcode.de::f3f602c2-190d-40ed-9986-6fb24ba2ea79" providerId="AD" clId="Web-{706FDD0D-C0F8-A2A8-0BBE-09CB02206617}" dt="2020-11-18T09:39:39.304" v="12" actId="20577"/>
-        <pc:sldMkLst>
-          <pc:docMk/>
-          <pc:sldMk cId="0" sldId="257"/>
-        </pc:sldMkLst>
-        <pc:spChg chg="mod">
-          <ac:chgData name="Vitus Forsmann" userId="S::forsmann@objectcode.de::f3f602c2-190d-40ed-9986-6fb24ba2ea79" providerId="AD" clId="Web-{706FDD0D-C0F8-A2A8-0BBE-09CB02206617}" dt="2020-11-18T09:39:39.304" v="12" actId="20577"/>
-          <ac:spMkLst>
-            <pc:docMk/>
-            <pc:sldMk cId="0" sldId="257"/>
-            <ac:spMk id="131" creationId="{00000000-0000-0000-0000-000000000000}"/>
-          </ac:spMkLst>
-        </pc:spChg>
-      </pc:sldChg>
-      <pc:sldChg chg="modSp">
-        <pc:chgData name="Vitus Forsmann" userId="S::forsmann@objectcode.de::f3f602c2-190d-40ed-9986-6fb24ba2ea79" providerId="AD" clId="Web-{706FDD0D-C0F8-A2A8-0BBE-09CB02206617}" dt="2020-11-18T09:40:59.962" v="29" actId="20577"/>
-        <pc:sldMkLst>
-          <pc:docMk/>
-          <pc:sldMk cId="0" sldId="262"/>
-        </pc:sldMkLst>
-        <pc:spChg chg="mod">
-          <ac:chgData name="Vitus Forsmann" userId="S::forsmann@objectcode.de::f3f602c2-190d-40ed-9986-6fb24ba2ea79" providerId="AD" clId="Web-{706FDD0D-C0F8-A2A8-0BBE-09CB02206617}" dt="2020-11-18T09:40:59.962" v="29" actId="20577"/>
-          <ac:spMkLst>
-            <pc:docMk/>
-            <pc:sldMk cId="0" sldId="262"/>
-            <ac:spMk id="148" creationId="{00000000-0000-0000-0000-000000000000}"/>
-          </ac:spMkLst>
-        </pc:spChg>
-      </pc:sldChg>
-      <pc:sldChg chg="modSp del">
-        <pc:chgData name="Vitus Forsmann" userId="S::forsmann@objectcode.de::f3f602c2-190d-40ed-9986-6fb24ba2ea79" providerId="AD" clId="Web-{706FDD0D-C0F8-A2A8-0BBE-09CB02206617}" dt="2020-11-18T09:41:05.868" v="30"/>
-        <pc:sldMkLst>
-          <pc:docMk/>
-          <pc:sldMk cId="0" sldId="263"/>
-        </pc:sldMkLst>
-        <pc:spChg chg="mod">
-          <ac:chgData name="Vitus Forsmann" userId="S::forsmann@objectcode.de::f3f602c2-190d-40ed-9986-6fb24ba2ea79" providerId="AD" clId="Web-{706FDD0D-C0F8-A2A8-0BBE-09CB02206617}" dt="2020-11-18T09:40:57.024" v="27" actId="20577"/>
-          <ac:spMkLst>
-            <pc:docMk/>
-            <pc:sldMk cId="0" sldId="263"/>
-            <ac:spMk id="149" creationId="{00000000-0000-0000-0000-000000000000}"/>
-          </ac:spMkLst>
-        </pc:spChg>
-        <pc:spChg chg="mod">
-          <ac:chgData name="Vitus Forsmann" userId="S::forsmann@objectcode.de::f3f602c2-190d-40ed-9986-6fb24ba2ea79" providerId="AD" clId="Web-{706FDD0D-C0F8-A2A8-0BBE-09CB02206617}" dt="2020-11-18T09:40:38.039" v="19" actId="20577"/>
-          <ac:spMkLst>
-            <pc:docMk/>
-            <pc:sldMk cId="0" sldId="263"/>
-            <ac:spMk id="150" creationId="{00000000-0000-0000-0000-000000000000}"/>
-          </ac:spMkLst>
-        </pc:spChg>
-      </pc:sldChg>
-      <pc:sldChg chg="modSp">
-        <pc:chgData name="Vitus Forsmann" userId="S::forsmann@objectcode.de::f3f602c2-190d-40ed-9986-6fb24ba2ea79" providerId="AD" clId="Web-{706FDD0D-C0F8-A2A8-0BBE-09CB02206617}" dt="2020-11-18T09:40:53.680" v="26" actId="20577"/>
-        <pc:sldMkLst>
-          <pc:docMk/>
-          <pc:sldMk cId="0" sldId="264"/>
-        </pc:sldMkLst>
-        <pc:spChg chg="mod">
-          <ac:chgData name="Vitus Forsmann" userId="S::forsmann@objectcode.de::f3f602c2-190d-40ed-9986-6fb24ba2ea79" providerId="AD" clId="Web-{706FDD0D-C0F8-A2A8-0BBE-09CB02206617}" dt="2020-11-18T09:40:53.680" v="26" actId="20577"/>
-          <ac:spMkLst>
-            <pc:docMk/>
-            <pc:sldMk cId="0" sldId="264"/>
-            <ac:spMk id="153" creationId="{00000000-0000-0000-0000-000000000000}"/>
-          </ac:spMkLst>
-        </pc:spChg>
-        <pc:spChg chg="mod">
-          <ac:chgData name="Vitus Forsmann" userId="S::forsmann@objectcode.de::f3f602c2-190d-40ed-9986-6fb24ba2ea79" providerId="AD" clId="Web-{706FDD0D-C0F8-A2A8-0BBE-09CB02206617}" dt="2020-11-18T09:40:50.383" v="24" actId="20577"/>
-          <ac:spMkLst>
-            <pc:docMk/>
-            <pc:sldMk cId="0" sldId="264"/>
-            <ac:spMk id="154" creationId="{00000000-0000-0000-0000-000000000000}"/>
-          </ac:spMkLst>
-        </pc:spChg>
-      </pc:sldChg>
-      <pc:sldChg chg="modSp">
-        <pc:chgData name="Vitus Forsmann" userId="S::forsmann@objectcode.de::f3f602c2-190d-40ed-9986-6fb24ba2ea79" providerId="AD" clId="Web-{706FDD0D-C0F8-A2A8-0BBE-09CB02206617}" dt="2020-11-18T09:42:42.947" v="51" actId="20577"/>
-        <pc:sldMkLst>
-          <pc:docMk/>
-          <pc:sldMk cId="0" sldId="265"/>
-        </pc:sldMkLst>
-        <pc:spChg chg="mod">
-          <ac:chgData name="Vitus Forsmann" userId="S::forsmann@objectcode.de::f3f602c2-190d-40ed-9986-6fb24ba2ea79" providerId="AD" clId="Web-{706FDD0D-C0F8-A2A8-0BBE-09CB02206617}" dt="2020-11-18T09:42:42.947" v="51" actId="20577"/>
-          <ac:spMkLst>
-            <pc:docMk/>
-            <pc:sldMk cId="0" sldId="265"/>
-            <ac:spMk id="157" creationId="{00000000-0000-0000-0000-000000000000}"/>
-          </ac:spMkLst>
-        </pc:spChg>
-      </pc:sldChg>
-      <pc:sldChg chg="addSp delSp modSp del">
-        <pc:chgData name="Vitus Forsmann" userId="S::forsmann@objectcode.de::f3f602c2-190d-40ed-9986-6fb24ba2ea79" providerId="AD" clId="Web-{706FDD0D-C0F8-A2A8-0BBE-09CB02206617}" dt="2020-11-18T09:43:32.948" v="63"/>
-        <pc:sldMkLst>
-          <pc:docMk/>
-          <pc:sldMk cId="0" sldId="266"/>
-        </pc:sldMkLst>
-        <pc:spChg chg="add del mod">
-          <ac:chgData name="Vitus Forsmann" userId="S::forsmann@objectcode.de::f3f602c2-190d-40ed-9986-6fb24ba2ea79" providerId="AD" clId="Web-{706FDD0D-C0F8-A2A8-0BBE-09CB02206617}" dt="2020-11-18T09:43:18.198" v="57"/>
-          <ac:spMkLst>
-            <pc:docMk/>
-            <pc:sldMk cId="0" sldId="266"/>
-            <ac:spMk id="2" creationId="{11B3EA46-6E7F-4196-8657-25106D095C4F}"/>
-          </ac:spMkLst>
-        </pc:spChg>
-        <pc:spChg chg="add del mod">
-          <ac:chgData name="Vitus Forsmann" userId="S::forsmann@objectcode.de::f3f602c2-190d-40ed-9986-6fb24ba2ea79" providerId="AD" clId="Web-{706FDD0D-C0F8-A2A8-0BBE-09CB02206617}" dt="2020-11-18T09:43:24.182" v="60"/>
-          <ac:spMkLst>
-            <pc:docMk/>
-            <pc:sldMk cId="0" sldId="266"/>
-            <ac:spMk id="3" creationId="{F7AC3A96-318C-4608-B43D-67300B245F1B}"/>
-          </ac:spMkLst>
-        </pc:spChg>
-        <pc:spChg chg="add mod">
-          <ac:chgData name="Vitus Forsmann" userId="S::forsmann@objectcode.de::f3f602c2-190d-40ed-9986-6fb24ba2ea79" providerId="AD" clId="Web-{706FDD0D-C0F8-A2A8-0BBE-09CB02206617}" dt="2020-11-18T09:43:28.776" v="62"/>
-          <ac:spMkLst>
-            <pc:docMk/>
-            <pc:sldMk cId="0" sldId="266"/>
-            <ac:spMk id="4" creationId="{602AC36F-F94C-4C0D-A839-3EC9E9353D3F}"/>
-          </ac:spMkLst>
-        </pc:spChg>
-        <pc:spChg chg="mod">
-          <ac:chgData name="Vitus Forsmann" userId="S::forsmann@objectcode.de::f3f602c2-190d-40ed-9986-6fb24ba2ea79" providerId="AD" clId="Web-{706FDD0D-C0F8-A2A8-0BBE-09CB02206617}" dt="2020-11-18T09:42:50.729" v="52" actId="20577"/>
-          <ac:spMkLst>
-            <pc:docMk/>
-            <pc:sldMk cId="0" sldId="266"/>
-            <ac:spMk id="158" creationId="{00000000-0000-0000-0000-000000000000}"/>
-          </ac:spMkLst>
-        </pc:spChg>
-        <pc:spChg chg="mod">
-          <ac:chgData name="Vitus Forsmann" userId="S::forsmann@objectcode.de::f3f602c2-190d-40ed-9986-6fb24ba2ea79" providerId="AD" clId="Web-{706FDD0D-C0F8-A2A8-0BBE-09CB02206617}" dt="2020-11-18T09:40:07.336" v="15" actId="20577"/>
-          <ac:spMkLst>
-            <pc:docMk/>
-            <pc:sldMk cId="0" sldId="266"/>
-            <ac:spMk id="159" creationId="{00000000-0000-0000-0000-000000000000}"/>
-          </ac:spMkLst>
-        </pc:spChg>
-      </pc:sldChg>
-      <pc:sldChg chg="modSp add ord replId">
-        <pc:chgData name="Vitus Forsmann" userId="S::forsmann@objectcode.de::f3f602c2-190d-40ed-9986-6fb24ba2ea79" providerId="AD" clId="Web-{706FDD0D-C0F8-A2A8-0BBE-09CB02206617}" dt="2020-11-18T09:41:15.118" v="33" actId="20577"/>
-        <pc:sldMkLst>
-          <pc:docMk/>
-          <pc:sldMk cId="3292538432" sldId="274"/>
-        </pc:sldMkLst>
-        <pc:spChg chg="mod">
-          <ac:chgData name="Vitus Forsmann" userId="S::forsmann@objectcode.de::f3f602c2-190d-40ed-9986-6fb24ba2ea79" providerId="AD" clId="Web-{706FDD0D-C0F8-A2A8-0BBE-09CB02206617}" dt="2020-11-18T09:41:15.118" v="33" actId="20577"/>
-          <ac:spMkLst>
-            <pc:docMk/>
-            <pc:sldMk cId="3292538432" sldId="274"/>
-            <ac:spMk id="148" creationId="{00000000-0000-0000-0000-000000000000}"/>
-          </ac:spMkLst>
-        </pc:spChg>
-      </pc:sldChg>
-      <pc:sldChg chg="modSp add ord replId">
-        <pc:chgData name="Vitus Forsmann" userId="S::forsmann@objectcode.de::f3f602c2-190d-40ed-9986-6fb24ba2ea79" providerId="AD" clId="Web-{706FDD0D-C0F8-A2A8-0BBE-09CB02206617}" dt="2020-11-18T09:46:01.888" v="94" actId="20577"/>
-        <pc:sldMkLst>
-          <pc:docMk/>
-          <pc:sldMk cId="2522530182" sldId="275"/>
-        </pc:sldMkLst>
-        <pc:spChg chg="mod">
-          <ac:chgData name="Vitus Forsmann" userId="S::forsmann@objectcode.de::f3f602c2-190d-40ed-9986-6fb24ba2ea79" providerId="AD" clId="Web-{706FDD0D-C0F8-A2A8-0BBE-09CB02206617}" dt="2020-11-18T09:41:52.478" v="48" actId="20577"/>
-          <ac:spMkLst>
-            <pc:docMk/>
-            <pc:sldMk cId="2522530182" sldId="275"/>
-            <ac:spMk id="153" creationId="{00000000-0000-0000-0000-000000000000}"/>
-          </ac:spMkLst>
-        </pc:spChg>
-        <pc:spChg chg="mod">
-          <ac:chgData name="Vitus Forsmann" userId="S::forsmann@objectcode.de::f3f602c2-190d-40ed-9986-6fb24ba2ea79" providerId="AD" clId="Web-{706FDD0D-C0F8-A2A8-0BBE-09CB02206617}" dt="2020-11-18T09:46:01.888" v="94" actId="20577"/>
-          <ac:spMkLst>
-            <pc:docMk/>
-            <pc:sldMk cId="2522530182" sldId="275"/>
-            <ac:spMk id="154" creationId="{00000000-0000-0000-0000-000000000000}"/>
-          </ac:spMkLst>
-        </pc:spChg>
-      </pc:sldChg>
-      <pc:sldChg chg="modSp add ord replId">
-        <pc:chgData name="Vitus Forsmann" userId="S::forsmann@objectcode.de::f3f602c2-190d-40ed-9986-6fb24ba2ea79" providerId="AD" clId="Web-{706FDD0D-C0F8-A2A8-0BBE-09CB02206617}" dt="2020-11-18T09:47:01.107" v="124" actId="20577"/>
-        <pc:sldMkLst>
-          <pc:docMk/>
-          <pc:sldMk cId="2386001915" sldId="276"/>
-        </pc:sldMkLst>
-        <pc:spChg chg="mod">
-          <ac:chgData name="Vitus Forsmann" userId="S::forsmann@objectcode.de::f3f602c2-190d-40ed-9986-6fb24ba2ea79" providerId="AD" clId="Web-{706FDD0D-C0F8-A2A8-0BBE-09CB02206617}" dt="2020-11-18T09:43:46.198" v="68" actId="20577"/>
-          <ac:spMkLst>
-            <pc:docMk/>
-            <pc:sldMk cId="2386001915" sldId="276"/>
-            <ac:spMk id="153" creationId="{00000000-0000-0000-0000-000000000000}"/>
-          </ac:spMkLst>
-        </pc:spChg>
-        <pc:spChg chg="mod">
-          <ac:chgData name="Vitus Forsmann" userId="S::forsmann@objectcode.de::f3f602c2-190d-40ed-9986-6fb24ba2ea79" providerId="AD" clId="Web-{706FDD0D-C0F8-A2A8-0BBE-09CB02206617}" dt="2020-11-18T09:47:01.107" v="124" actId="20577"/>
-          <ac:spMkLst>
-            <pc:docMk/>
-            <pc:sldMk cId="2386001915" sldId="276"/>
-            <ac:spMk id="154" creationId="{00000000-0000-0000-0000-000000000000}"/>
-          </ac:spMkLst>
-        </pc:spChg>
-      </pc:sldChg>
-      <pc:sldChg chg="new del">
-        <pc:chgData name="Vitus Forsmann" userId="S::forsmann@objectcode.de::f3f602c2-190d-40ed-9986-6fb24ba2ea79" providerId="AD" clId="Web-{706FDD0D-C0F8-A2A8-0BBE-09CB02206617}" dt="2020-11-18T09:45:24.325" v="70"/>
-        <pc:sldMkLst>
-          <pc:docMk/>
-          <pc:sldMk cId="1276687229" sldId="277"/>
-        </pc:sldMkLst>
-      </pc:sldChg>
-      <pc:sldChg chg="modSp add ord replId">
-        <pc:chgData name="Vitus Forsmann" userId="S::forsmann@objectcode.de::f3f602c2-190d-40ed-9986-6fb24ba2ea79" providerId="AD" clId="Web-{706FDD0D-C0F8-A2A8-0BBE-09CB02206617}" dt="2020-11-18T09:47:16.873" v="129" actId="20577"/>
-        <pc:sldMkLst>
-          <pc:docMk/>
-          <pc:sldMk cId="3106709136" sldId="277"/>
-        </pc:sldMkLst>
-        <pc:spChg chg="mod">
-          <ac:chgData name="Vitus Forsmann" userId="S::forsmann@objectcode.de::f3f602c2-190d-40ed-9986-6fb24ba2ea79" providerId="AD" clId="Web-{706FDD0D-C0F8-A2A8-0BBE-09CB02206617}" dt="2020-11-18T09:47:16.873" v="129" actId="20577"/>
-          <ac:spMkLst>
-            <pc:docMk/>
-            <pc:sldMk cId="3106709136" sldId="277"/>
-            <ac:spMk id="157" creationId="{00000000-0000-0000-0000-000000000000}"/>
-          </ac:spMkLst>
-        </pc:spChg>
-      </pc:sldChg>
-      <pc:sldChg chg="addSp delSp modSp add ord replId">
-        <pc:chgData name="Vitus Forsmann" userId="S::forsmann@objectcode.de::f3f602c2-190d-40ed-9986-6fb24ba2ea79" providerId="AD" clId="Web-{706FDD0D-C0F8-A2A8-0BBE-09CB02206617}" dt="2020-11-18T09:48:22.015" v="139" actId="20577"/>
-        <pc:sldMkLst>
-          <pc:docMk/>
-          <pc:sldMk cId="346821239" sldId="278"/>
-        </pc:sldMkLst>
-        <pc:spChg chg="mod">
-          <ac:chgData name="Vitus Forsmann" userId="S::forsmann@objectcode.de::f3f602c2-190d-40ed-9986-6fb24ba2ea79" providerId="AD" clId="Web-{706FDD0D-C0F8-A2A8-0BBE-09CB02206617}" dt="2020-11-18T09:47:51.764" v="134" actId="20577"/>
-          <ac:spMkLst>
-            <pc:docMk/>
-            <pc:sldMk cId="346821239" sldId="278"/>
-            <ac:spMk id="153" creationId="{00000000-0000-0000-0000-000000000000}"/>
-          </ac:spMkLst>
-        </pc:spChg>
-        <pc:spChg chg="mod">
-          <ac:chgData name="Vitus Forsmann" userId="S::forsmann@objectcode.de::f3f602c2-190d-40ed-9986-6fb24ba2ea79" providerId="AD" clId="Web-{706FDD0D-C0F8-A2A8-0BBE-09CB02206617}" dt="2020-11-18T09:48:22.015" v="139" actId="20577"/>
-          <ac:spMkLst>
-            <pc:docMk/>
-            <pc:sldMk cId="346821239" sldId="278"/>
-            <ac:spMk id="154" creationId="{00000000-0000-0000-0000-000000000000}"/>
-          </ac:spMkLst>
-        </pc:spChg>
-        <pc:spChg chg="add del mod">
-          <ac:chgData name="Vitus Forsmann" userId="S::forsmann@objectcode.de::f3f602c2-190d-40ed-9986-6fb24ba2ea79" providerId="AD" clId="Web-{706FDD0D-C0F8-A2A8-0BBE-09CB02206617}" dt="2020-11-18T09:48:18.062" v="138" actId="20577"/>
-          <ac:spMkLst>
-            <pc:docMk/>
-            <pc:sldMk cId="346821239" sldId="278"/>
-            <ac:spMk id="155" creationId="{00000000-0000-0000-0000-000000000000}"/>
-          </ac:spMkLst>
-        </pc:spChg>
-      </pc:sldChg>
-      <pc:sldChg chg="new del">
-        <pc:chgData name="Vitus Forsmann" userId="S::forsmann@objectcode.de::f3f602c2-190d-40ed-9986-6fb24ba2ea79" providerId="AD" clId="Web-{706FDD0D-C0F8-A2A8-0BBE-09CB02206617}" dt="2020-11-18T09:47:26.608" v="131"/>
-        <pc:sldMkLst>
-          <pc:docMk/>
-          <pc:sldMk cId="1266096266" sldId="278"/>
-        </pc:sldMkLst>
-      </pc:sldChg>
-    </pc:docChg>
-  </pc:docChgLst>
-  <pc:docChgLst>
-    <pc:chgData name="Vitus Forsmann" userId="S::forsmann@objectcode.de::f3f602c2-190d-40ed-9986-6fb24ba2ea79" providerId="AD" clId="Web-{A7FE0890-120D-4263-B5D8-9D2E24F6ED2C}"/>
-    <pc:docChg chg="addSld delSld modSld sldOrd">
-      <pc:chgData name="Vitus Forsmann" userId="S::forsmann@objectcode.de::f3f602c2-190d-40ed-9986-6fb24ba2ea79" providerId="AD" clId="Web-{A7FE0890-120D-4263-B5D8-9D2E24F6ED2C}" dt="2020-11-15T17:13:36.360" v="2580" actId="20577"/>
-      <pc:docMkLst>
-        <pc:docMk/>
-      </pc:docMkLst>
-      <pc:sldChg chg="modSp">
-        <pc:chgData name="Vitus Forsmann" userId="S::forsmann@objectcode.de::f3f602c2-190d-40ed-9986-6fb24ba2ea79" providerId="AD" clId="Web-{A7FE0890-120D-4263-B5D8-9D2E24F6ED2C}" dt="2020-11-15T12:48:49.474" v="75" actId="20577"/>
-        <pc:sldMkLst>
-          <pc:docMk/>
-          <pc:sldMk cId="0" sldId="256"/>
-        </pc:sldMkLst>
-        <pc:spChg chg="mod">
-          <ac:chgData name="Vitus Forsmann" userId="S::forsmann@objectcode.de::f3f602c2-190d-40ed-9986-6fb24ba2ea79" providerId="AD" clId="Web-{A7FE0890-120D-4263-B5D8-9D2E24F6ED2C}" dt="2020-11-15T12:48:49.474" v="75" actId="20577"/>
-          <ac:spMkLst>
-            <pc:docMk/>
-            <pc:sldMk cId="0" sldId="256"/>
-            <ac:spMk id="127" creationId="{00000000-0000-0000-0000-000000000000}"/>
-          </ac:spMkLst>
-        </pc:spChg>
-      </pc:sldChg>
-      <pc:sldChg chg="modSp">
-        <pc:chgData name="Vitus Forsmann" userId="S::forsmann@objectcode.de::f3f602c2-190d-40ed-9986-6fb24ba2ea79" providerId="AD" clId="Web-{A7FE0890-120D-4263-B5D8-9D2E24F6ED2C}" dt="2020-11-15T16:56:15.298" v="2453" actId="20577"/>
-        <pc:sldMkLst>
-          <pc:docMk/>
-          <pc:sldMk cId="0" sldId="257"/>
-        </pc:sldMkLst>
-        <pc:spChg chg="mod">
-          <ac:chgData name="Vitus Forsmann" userId="S::forsmann@objectcode.de::f3f602c2-190d-40ed-9986-6fb24ba2ea79" providerId="AD" clId="Web-{A7FE0890-120D-4263-B5D8-9D2E24F6ED2C}" dt="2020-11-15T16:56:15.298" v="2453" actId="20577"/>
-          <ac:spMkLst>
-            <pc:docMk/>
-            <pc:sldMk cId="0" sldId="257"/>
-            <ac:spMk id="131" creationId="{00000000-0000-0000-0000-000000000000}"/>
-          </ac:spMkLst>
-        </pc:spChg>
-      </pc:sldChg>
-      <pc:sldChg chg="del">
-        <pc:chgData name="Vitus Forsmann" userId="S::forsmann@objectcode.de::f3f602c2-190d-40ed-9986-6fb24ba2ea79" providerId="AD" clId="Web-{A7FE0890-120D-4263-B5D8-9D2E24F6ED2C}" dt="2020-11-15T12:44:20.047" v="0"/>
-        <pc:sldMkLst>
-          <pc:docMk/>
-          <pc:sldMk cId="0" sldId="259"/>
-        </pc:sldMkLst>
-      </pc:sldChg>
-      <pc:sldChg chg="modSp">
-        <pc:chgData name="Vitus Forsmann" userId="S::forsmann@objectcode.de::f3f602c2-190d-40ed-9986-6fb24ba2ea79" providerId="AD" clId="Web-{A7FE0890-120D-4263-B5D8-9D2E24F6ED2C}" dt="2020-11-15T17:00:41.099" v="2573" actId="20577"/>
-        <pc:sldMkLst>
-          <pc:docMk/>
-          <pc:sldMk cId="0" sldId="260"/>
-        </pc:sldMkLst>
-        <pc:spChg chg="mod">
-          <ac:chgData name="Vitus Forsmann" userId="S::forsmann@objectcode.de::f3f602c2-190d-40ed-9986-6fb24ba2ea79" providerId="AD" clId="Web-{A7FE0890-120D-4263-B5D8-9D2E24F6ED2C}" dt="2020-11-15T17:00:41.099" v="2573" actId="20577"/>
-          <ac:spMkLst>
-            <pc:docMk/>
-            <pc:sldMk cId="0" sldId="260"/>
-            <ac:spMk id="141" creationId="{00000000-0000-0000-0000-000000000000}"/>
-          </ac:spMkLst>
-        </pc:spChg>
-        <pc:spChg chg="mod">
-          <ac:chgData name="Vitus Forsmann" userId="S::forsmann@objectcode.de::f3f602c2-190d-40ed-9986-6fb24ba2ea79" providerId="AD" clId="Web-{A7FE0890-120D-4263-B5D8-9D2E24F6ED2C}" dt="2020-11-15T16:31:18.416" v="1844" actId="20577"/>
-          <ac:spMkLst>
-            <pc:docMk/>
-            <pc:sldMk cId="0" sldId="260"/>
-            <ac:spMk id="142" creationId="{00000000-0000-0000-0000-000000000000}"/>
-          </ac:spMkLst>
-        </pc:spChg>
-      </pc:sldChg>
-      <pc:sldChg chg="modSp del">
-        <pc:chgData name="Vitus Forsmann" userId="S::forsmann@objectcode.de::f3f602c2-190d-40ed-9986-6fb24ba2ea79" providerId="AD" clId="Web-{A7FE0890-120D-4263-B5D8-9D2E24F6ED2C}" dt="2020-11-15T17:03:17.039" v="2578"/>
-        <pc:sldMkLst>
-          <pc:docMk/>
-          <pc:sldMk cId="0" sldId="261"/>
-        </pc:sldMkLst>
-        <pc:spChg chg="mod">
-          <ac:chgData name="Vitus Forsmann" userId="S::forsmann@objectcode.de::f3f602c2-190d-40ed-9986-6fb24ba2ea79" providerId="AD" clId="Web-{A7FE0890-120D-4263-B5D8-9D2E24F6ED2C}" dt="2020-11-15T15:20:12.602" v="345" actId="20577"/>
-          <ac:spMkLst>
-            <pc:docMk/>
-            <pc:sldMk cId="0" sldId="261"/>
-            <ac:spMk id="145" creationId="{00000000-0000-0000-0000-000000000000}"/>
-          </ac:spMkLst>
-        </pc:spChg>
-        <pc:spChg chg="mod">
-          <ac:chgData name="Vitus Forsmann" userId="S::forsmann@objectcode.de::f3f602c2-190d-40ed-9986-6fb24ba2ea79" providerId="AD" clId="Web-{A7FE0890-120D-4263-B5D8-9D2E24F6ED2C}" dt="2020-11-15T17:03:10.320" v="2576" actId="20577"/>
-          <ac:spMkLst>
-            <pc:docMk/>
-            <pc:sldMk cId="0" sldId="261"/>
-            <ac:spMk id="146" creationId="{00000000-0000-0000-0000-000000000000}"/>
-          </ac:spMkLst>
-        </pc:spChg>
-      </pc:sldChg>
-      <pc:sldChg chg="modSp">
-        <pc:chgData name="Vitus Forsmann" userId="S::forsmann@objectcode.de::f3f602c2-190d-40ed-9986-6fb24ba2ea79" providerId="AD" clId="Web-{A7FE0890-120D-4263-B5D8-9D2E24F6ED2C}" dt="2020-11-15T12:46:25.768" v="34" actId="20577"/>
-        <pc:sldMkLst>
-          <pc:docMk/>
-          <pc:sldMk cId="0" sldId="264"/>
-        </pc:sldMkLst>
-        <pc:spChg chg="mod">
-          <ac:chgData name="Vitus Forsmann" userId="S::forsmann@objectcode.de::f3f602c2-190d-40ed-9986-6fb24ba2ea79" providerId="AD" clId="Web-{A7FE0890-120D-4263-B5D8-9D2E24F6ED2C}" dt="2020-11-15T12:46:25.768" v="34" actId="20577"/>
-          <ac:spMkLst>
-            <pc:docMk/>
-            <pc:sldMk cId="0" sldId="264"/>
-            <ac:spMk id="154" creationId="{00000000-0000-0000-0000-000000000000}"/>
-          </ac:spMkLst>
-        </pc:spChg>
-      </pc:sldChg>
-      <pc:sldChg chg="modSp add ord replId">
-        <pc:chgData name="Vitus Forsmann" userId="S::forsmann@objectcode.de::f3f602c2-190d-40ed-9986-6fb24ba2ea79" providerId="AD" clId="Web-{A7FE0890-120D-4263-B5D8-9D2E24F6ED2C}" dt="2020-11-15T16:57:56.221" v="2476" actId="20577"/>
-        <pc:sldMkLst>
-          <pc:docMk/>
-          <pc:sldMk cId="432475186" sldId="269"/>
-        </pc:sldMkLst>
-        <pc:spChg chg="mod">
-          <ac:chgData name="Vitus Forsmann" userId="S::forsmann@objectcode.de::f3f602c2-190d-40ed-9986-6fb24ba2ea79" providerId="AD" clId="Web-{A7FE0890-120D-4263-B5D8-9D2E24F6ED2C}" dt="2020-11-15T16:57:56.221" v="2476" actId="20577"/>
-          <ac:spMkLst>
-            <pc:docMk/>
-            <pc:sldMk cId="432475186" sldId="269"/>
-            <ac:spMk id="145" creationId="{00000000-0000-0000-0000-000000000000}"/>
-          </ac:spMkLst>
-        </pc:spChg>
-        <pc:spChg chg="mod">
-          <ac:chgData name="Vitus Forsmann" userId="S::forsmann@objectcode.de::f3f602c2-190d-40ed-9986-6fb24ba2ea79" providerId="AD" clId="Web-{A7FE0890-120D-4263-B5D8-9D2E24F6ED2C}" dt="2020-11-15T12:50:17.117" v="93" actId="20577"/>
-          <ac:spMkLst>
-            <pc:docMk/>
-            <pc:sldMk cId="432475186" sldId="269"/>
-            <ac:spMk id="146" creationId="{00000000-0000-0000-0000-000000000000}"/>
-          </ac:spMkLst>
-        </pc:spChg>
-      </pc:sldChg>
-      <pc:sldChg chg="modSp new del mod modClrScheme chgLayout">
-        <pc:chgData name="Vitus Forsmann" userId="S::forsmann@objectcode.de::f3f602c2-190d-40ed-9986-6fb24ba2ea79" providerId="AD" clId="Web-{A7FE0890-120D-4263-B5D8-9D2E24F6ED2C}" dt="2020-11-15T12:46:32.612" v="35"/>
-        <pc:sldMkLst>
-          <pc:docMk/>
-          <pc:sldMk cId="2783515563" sldId="269"/>
-        </pc:sldMkLst>
-        <pc:spChg chg="mod ord">
-          <ac:chgData name="Vitus Forsmann" userId="S::forsmann@objectcode.de::f3f602c2-190d-40ed-9986-6fb24ba2ea79" providerId="AD" clId="Web-{A7FE0890-120D-4263-B5D8-9D2E24F6ED2C}" dt="2020-11-15T12:45:32.501" v="3"/>
-          <ac:spMkLst>
-            <pc:docMk/>
-            <pc:sldMk cId="2783515563" sldId="269"/>
-            <ac:spMk id="2" creationId="{27C79C72-9079-4BDF-8AFD-3C602C70DF2A}"/>
-          </ac:spMkLst>
-        </pc:spChg>
-        <pc:spChg chg="mod">
-          <ac:chgData name="Vitus Forsmann" userId="S::forsmann@objectcode.de::f3f602c2-190d-40ed-9986-6fb24ba2ea79" providerId="AD" clId="Web-{A7FE0890-120D-4263-B5D8-9D2E24F6ED2C}" dt="2020-11-15T12:45:32.501" v="3"/>
-          <ac:spMkLst>
-            <pc:docMk/>
-            <pc:sldMk cId="2783515563" sldId="269"/>
-            <ac:spMk id="3" creationId="{CAEE6557-28BF-4391-BAB7-236425E3260F}"/>
-          </ac:spMkLst>
-        </pc:spChg>
-      </pc:sldChg>
-      <pc:sldChg chg="new del ord">
-        <pc:chgData name="Vitus Forsmann" userId="S::forsmann@objectcode.de::f3f602c2-190d-40ed-9986-6fb24ba2ea79" providerId="AD" clId="Web-{A7FE0890-120D-4263-B5D8-9D2E24F6ED2C}" dt="2020-11-15T12:47:24.895" v="38"/>
-        <pc:sldMkLst>
-          <pc:docMk/>
-          <pc:sldMk cId="4000924166" sldId="269"/>
-        </pc:sldMkLst>
-      </pc:sldChg>
-      <pc:sldChg chg="modSp add del ord replId">
-        <pc:chgData name="Vitus Forsmann" userId="S::forsmann@objectcode.de::f3f602c2-190d-40ed-9986-6fb24ba2ea79" providerId="AD" clId="Web-{A7FE0890-120D-4263-B5D8-9D2E24F6ED2C}" dt="2020-11-15T12:49:48.757" v="76"/>
-        <pc:sldMkLst>
-          <pc:docMk/>
-          <pc:sldMk cId="4149379094" sldId="269"/>
-        </pc:sldMkLst>
-        <pc:spChg chg="mod">
-          <ac:chgData name="Vitus Forsmann" userId="S::forsmann@objectcode.de::f3f602c2-190d-40ed-9986-6fb24ba2ea79" providerId="AD" clId="Web-{A7FE0890-120D-4263-B5D8-9D2E24F6ED2C}" dt="2020-11-15T12:48:11.442" v="68" actId="20577"/>
-          <ac:spMkLst>
-            <pc:docMk/>
-            <pc:sldMk cId="4149379094" sldId="269"/>
-            <ac:spMk id="145" creationId="{00000000-0000-0000-0000-000000000000}"/>
-          </ac:spMkLst>
-        </pc:spChg>
-        <pc:spChg chg="mod">
-          <ac:chgData name="Vitus Forsmann" userId="S::forsmann@objectcode.de::f3f602c2-190d-40ed-9986-6fb24ba2ea79" providerId="AD" clId="Web-{A7FE0890-120D-4263-B5D8-9D2E24F6ED2C}" dt="2020-11-15T12:47:47.504" v="63" actId="20577"/>
-          <ac:spMkLst>
-            <pc:docMk/>
-            <pc:sldMk cId="4149379094" sldId="269"/>
-            <ac:spMk id="146" creationId="{00000000-0000-0000-0000-000000000000}"/>
-          </ac:spMkLst>
-        </pc:spChg>
-      </pc:sldChg>
-      <pc:sldChg chg="modSp new del mod modClrScheme chgLayout">
-        <pc:chgData name="Vitus Forsmann" userId="S::forsmann@objectcode.de::f3f602c2-190d-40ed-9986-6fb24ba2ea79" providerId="AD" clId="Web-{A7FE0890-120D-4263-B5D8-9D2E24F6ED2C}" dt="2020-11-15T12:46:05.533" v="20"/>
-        <pc:sldMkLst>
-          <pc:docMk/>
-          <pc:sldMk cId="1514841245" sldId="270"/>
-        </pc:sldMkLst>
-        <pc:spChg chg="mod ord">
-          <ac:chgData name="Vitus Forsmann" userId="S::forsmann@objectcode.de::f3f602c2-190d-40ed-9986-6fb24ba2ea79" providerId="AD" clId="Web-{A7FE0890-120D-4263-B5D8-9D2E24F6ED2C}" dt="2020-11-15T12:46:02.815" v="19" actId="20577"/>
-          <ac:spMkLst>
-            <pc:docMk/>
-            <pc:sldMk cId="1514841245" sldId="270"/>
-            <ac:spMk id="2" creationId="{756ACAF6-3328-420E-8892-25AEAB8BAE4F}"/>
-          </ac:spMkLst>
-        </pc:spChg>
-        <pc:spChg chg="mod">
-          <ac:chgData name="Vitus Forsmann" userId="S::forsmann@objectcode.de::f3f602c2-190d-40ed-9986-6fb24ba2ea79" providerId="AD" clId="Web-{A7FE0890-120D-4263-B5D8-9D2E24F6ED2C}" dt="2020-11-15T12:45:54.002" v="5"/>
-          <ac:spMkLst>
-            <pc:docMk/>
-            <pc:sldMk cId="1514841245" sldId="270"/>
-            <ac:spMk id="3" creationId="{C2CA8F6A-D5D1-4079-AE35-3F613FE4F6C8}"/>
-          </ac:spMkLst>
-        </pc:spChg>
-      </pc:sldChg>
-      <pc:sldChg chg="addSp delSp modSp add replId">
-        <pc:chgData name="Vitus Forsmann" userId="S::forsmann@objectcode.de::f3f602c2-190d-40ed-9986-6fb24ba2ea79" providerId="AD" clId="Web-{A7FE0890-120D-4263-B5D8-9D2E24F6ED2C}" dt="2020-11-15T16:56:30.829" v="2454" actId="20577"/>
-        <pc:sldMkLst>
-          <pc:docMk/>
-          <pc:sldMk cId="3499098442" sldId="270"/>
-        </pc:sldMkLst>
-        <pc:spChg chg="mod">
-          <ac:chgData name="Vitus Forsmann" userId="S::forsmann@objectcode.de::f3f602c2-190d-40ed-9986-6fb24ba2ea79" providerId="AD" clId="Web-{A7FE0890-120D-4263-B5D8-9D2E24F6ED2C}" dt="2020-11-15T16:07:16.426" v="1675" actId="14100"/>
-          <ac:spMkLst>
-            <pc:docMk/>
-            <pc:sldMk cId="3499098442" sldId="270"/>
-            <ac:spMk id="145" creationId="{00000000-0000-0000-0000-000000000000}"/>
-          </ac:spMkLst>
-        </pc:spChg>
-        <pc:spChg chg="mod">
-          <ac:chgData name="Vitus Forsmann" userId="S::forsmann@objectcode.de::f3f602c2-190d-40ed-9986-6fb24ba2ea79" providerId="AD" clId="Web-{A7FE0890-120D-4263-B5D8-9D2E24F6ED2C}" dt="2020-11-15T16:56:30.829" v="2454" actId="20577"/>
-          <ac:spMkLst>
-            <pc:docMk/>
-            <pc:sldMk cId="3499098442" sldId="270"/>
-            <ac:spMk id="146" creationId="{00000000-0000-0000-0000-000000000000}"/>
-          </ac:spMkLst>
-        </pc:spChg>
-        <pc:picChg chg="add del mod">
-          <ac:chgData name="Vitus Forsmann" userId="S::forsmann@objectcode.de::f3f602c2-190d-40ed-9986-6fb24ba2ea79" providerId="AD" clId="Web-{A7FE0890-120D-4263-B5D8-9D2E24F6ED2C}" dt="2020-11-15T16:07:34.738" v="1678"/>
-          <ac:picMkLst>
-            <pc:docMk/>
-            <pc:sldMk cId="3499098442" sldId="270"/>
-            <ac:picMk id="2" creationId="{1978FF77-38CD-4F35-AECE-59BAB63DE78A}"/>
-          </ac:picMkLst>
-        </pc:picChg>
-        <pc:picChg chg="add">
-          <ac:chgData name="Vitus Forsmann" userId="S::forsmann@objectcode.de::f3f602c2-190d-40ed-9986-6fb24ba2ea79" providerId="AD" clId="Web-{A7FE0890-120D-4263-B5D8-9D2E24F6ED2C}" dt="2020-11-15T16:07:38.098" v="1679"/>
-          <ac:picMkLst>
-            <pc:docMk/>
-            <pc:sldMk cId="3499098442" sldId="270"/>
-            <ac:picMk id="3" creationId="{022AB8C3-114F-45BD-9DE1-263EEAF698C5}"/>
-          </ac:picMkLst>
-        </pc:picChg>
-      </pc:sldChg>
-      <pc:sldChg chg="addSp modSp add replId">
-        <pc:chgData name="Vitus Forsmann" userId="S::forsmann@objectcode.de::f3f602c2-190d-40ed-9986-6fb24ba2ea79" providerId="AD" clId="Web-{A7FE0890-120D-4263-B5D8-9D2E24F6ED2C}" dt="2020-11-15T16:58:17.222" v="2483" actId="20577"/>
-        <pc:sldMkLst>
-          <pc:docMk/>
-          <pc:sldMk cId="1624409311" sldId="271"/>
-        </pc:sldMkLst>
-        <pc:spChg chg="mod">
-          <ac:chgData name="Vitus Forsmann" userId="S::forsmann@objectcode.de::f3f602c2-190d-40ed-9986-6fb24ba2ea79" providerId="AD" clId="Web-{A7FE0890-120D-4263-B5D8-9D2E24F6ED2C}" dt="2020-11-15T16:58:17.222" v="2483" actId="20577"/>
-          <ac:spMkLst>
-            <pc:docMk/>
-            <pc:sldMk cId="1624409311" sldId="271"/>
-            <ac:spMk id="145" creationId="{00000000-0000-0000-0000-000000000000}"/>
-          </ac:spMkLst>
-        </pc:spChg>
-        <pc:spChg chg="mod">
-          <ac:chgData name="Vitus Forsmann" userId="S::forsmann@objectcode.de::f3f602c2-190d-40ed-9986-6fb24ba2ea79" providerId="AD" clId="Web-{A7FE0890-120D-4263-B5D8-9D2E24F6ED2C}" dt="2020-11-15T16:57:04.330" v="2467" actId="20577"/>
-          <ac:spMkLst>
-            <pc:docMk/>
-            <pc:sldMk cId="1624409311" sldId="271"/>
-            <ac:spMk id="146" creationId="{00000000-0000-0000-0000-000000000000}"/>
-          </ac:spMkLst>
-        </pc:spChg>
-        <pc:picChg chg="add mod">
-          <ac:chgData name="Vitus Forsmann" userId="S::forsmann@objectcode.de::f3f602c2-190d-40ed-9986-6fb24ba2ea79" providerId="AD" clId="Web-{A7FE0890-120D-4263-B5D8-9D2E24F6ED2C}" dt="2020-11-15T16:09:53.022" v="1684" actId="1076"/>
-          <ac:picMkLst>
-            <pc:docMk/>
-            <pc:sldMk cId="1624409311" sldId="271"/>
-            <ac:picMk id="2" creationId="{02536773-E4BD-4E21-840E-03E6D11D8F34}"/>
-          </ac:picMkLst>
-        </pc:picChg>
-      </pc:sldChg>
-      <pc:sldChg chg="addSp modSp add replId">
-        <pc:chgData name="Vitus Forsmann" userId="S::forsmann@objectcode.de::f3f602c2-190d-40ed-9986-6fb24ba2ea79" providerId="AD" clId="Web-{A7FE0890-120D-4263-B5D8-9D2E24F6ED2C}" dt="2020-11-15T16:56:34.189" v="2456" actId="20577"/>
-        <pc:sldMkLst>
-          <pc:docMk/>
-          <pc:sldMk cId="2477974512" sldId="272"/>
-        </pc:sldMkLst>
-        <pc:spChg chg="mod">
-          <ac:chgData name="Vitus Forsmann" userId="S::forsmann@objectcode.de::f3f602c2-190d-40ed-9986-6fb24ba2ea79" providerId="AD" clId="Web-{A7FE0890-120D-4263-B5D8-9D2E24F6ED2C}" dt="2020-11-15T16:35:56.967" v="2013" actId="20577"/>
-          <ac:spMkLst>
-            <pc:docMk/>
-            <pc:sldMk cId="2477974512" sldId="272"/>
-            <ac:spMk id="145" creationId="{00000000-0000-0000-0000-000000000000}"/>
-          </ac:spMkLst>
-        </pc:spChg>
-        <pc:spChg chg="mod">
-          <ac:chgData name="Vitus Forsmann" userId="S::forsmann@objectcode.de::f3f602c2-190d-40ed-9986-6fb24ba2ea79" providerId="AD" clId="Web-{A7FE0890-120D-4263-B5D8-9D2E24F6ED2C}" dt="2020-11-15T16:56:34.189" v="2456" actId="20577"/>
-          <ac:spMkLst>
-            <pc:docMk/>
-            <pc:sldMk cId="2477974512" sldId="272"/>
-            <ac:spMk id="146" creationId="{00000000-0000-0000-0000-000000000000}"/>
-          </ac:spMkLst>
-        </pc:spChg>
-        <pc:picChg chg="add mod">
-          <ac:chgData name="Vitus Forsmann" userId="S::forsmann@objectcode.de::f3f602c2-190d-40ed-9986-6fb24ba2ea79" providerId="AD" clId="Web-{A7FE0890-120D-4263-B5D8-9D2E24F6ED2C}" dt="2020-11-15T16:07:31.535" v="1677" actId="1076"/>
-          <ac:picMkLst>
-            <pc:docMk/>
-            <pc:sldMk cId="2477974512" sldId="272"/>
-            <ac:picMk id="2" creationId="{B4DBCF48-60B4-440C-A2A6-BDBDCF0DF9B9}"/>
-          </ac:picMkLst>
-        </pc:picChg>
-      </pc:sldChg>
-      <pc:sldChg chg="modSp add replId">
-        <pc:chgData name="Vitus Forsmann" userId="S::forsmann@objectcode.de::f3f602c2-190d-40ed-9986-6fb24ba2ea79" providerId="AD" clId="Web-{A7FE0890-120D-4263-B5D8-9D2E24F6ED2C}" dt="2020-11-15T17:13:36.360" v="2580" actId="20577"/>
-        <pc:sldMkLst>
-          <pc:docMk/>
-          <pc:sldMk cId="463479256" sldId="273"/>
-        </pc:sldMkLst>
-        <pc:spChg chg="mod">
-          <ac:chgData name="Vitus Forsmann" userId="S::forsmann@objectcode.de::f3f602c2-190d-40ed-9986-6fb24ba2ea79" providerId="AD" clId="Web-{A7FE0890-120D-4263-B5D8-9D2E24F6ED2C}" dt="2020-11-15T17:13:36.360" v="2580" actId="20577"/>
-          <ac:spMkLst>
-            <pc:docMk/>
-            <pc:sldMk cId="463479256" sldId="273"/>
-            <ac:spMk id="141" creationId="{00000000-0000-0000-0000-000000000000}"/>
-          </ac:spMkLst>
-        </pc:spChg>
-        <pc:spChg chg="mod">
-          <ac:chgData name="Vitus Forsmann" userId="S::forsmann@objectcode.de::f3f602c2-190d-40ed-9986-6fb24ba2ea79" providerId="AD" clId="Web-{A7FE0890-120D-4263-B5D8-9D2E24F6ED2C}" dt="2020-11-15T17:03:24.226" v="2579" actId="20577"/>
-          <ac:spMkLst>
-            <pc:docMk/>
-            <pc:sldMk cId="463479256" sldId="273"/>
-            <ac:spMk id="142" creationId="{00000000-0000-0000-0000-000000000000}"/>
-          </ac:spMkLst>
-        </pc:spChg>
-      </pc:sldChg>
-    </pc:docChg>
-  </pc:docChgLst>
-  <pc:docChgLst>
-    <pc:chgData name="Vitus Forsmann" userId="S::forsmann@objectcode.de::f3f602c2-190d-40ed-9986-6fb24ba2ea79" providerId="AD" clId="Web-{D3F5B21F-9CA7-4383-926B-1FCD2DEE93DD}"/>
-    <pc:docChg chg="addSld delSld modSld sldOrd">
-      <pc:chgData name="Vitus Forsmann" userId="S::forsmann@objectcode.de::f3f602c2-190d-40ed-9986-6fb24ba2ea79" providerId="AD" clId="Web-{D3F5B21F-9CA7-4383-926B-1FCD2DEE93DD}" dt="2020-11-20T13:45:20.607" v="482" actId="14100"/>
-      <pc:docMkLst>
-        <pc:docMk/>
-      </pc:docMkLst>
-      <pc:sldChg chg="modSp">
-        <pc:chgData name="Vitus Forsmann" userId="S::forsmann@objectcode.de::f3f602c2-190d-40ed-9986-6fb24ba2ea79" providerId="AD" clId="Web-{D3F5B21F-9CA7-4383-926B-1FCD2DEE93DD}" dt="2020-11-20T12:22:00.676" v="274" actId="20577"/>
-        <pc:sldMkLst>
-          <pc:docMk/>
-          <pc:sldMk cId="0" sldId="257"/>
-        </pc:sldMkLst>
-        <pc:spChg chg="mod">
-          <ac:chgData name="Vitus Forsmann" userId="S::forsmann@objectcode.de::f3f602c2-190d-40ed-9986-6fb24ba2ea79" providerId="AD" clId="Web-{D3F5B21F-9CA7-4383-926B-1FCD2DEE93DD}" dt="2020-11-20T12:22:00.676" v="274" actId="20577"/>
-          <ac:spMkLst>
-            <pc:docMk/>
-            <pc:sldMk cId="0" sldId="257"/>
-            <ac:spMk id="131" creationId="{00000000-0000-0000-0000-000000000000}"/>
-          </ac:spMkLst>
-        </pc:spChg>
-      </pc:sldChg>
-      <pc:sldChg chg="addSp delSp modSp">
-        <pc:chgData name="Vitus Forsmann" userId="S::forsmann@objectcode.de::f3f602c2-190d-40ed-9986-6fb24ba2ea79" providerId="AD" clId="Web-{D3F5B21F-9CA7-4383-926B-1FCD2DEE93DD}" dt="2020-11-20T13:27:17.733" v="318" actId="14100"/>
-        <pc:sldMkLst>
-          <pc:docMk/>
-          <pc:sldMk cId="0" sldId="260"/>
-        </pc:sldMkLst>
-        <pc:spChg chg="add mod">
-          <ac:chgData name="Vitus Forsmann" userId="S::forsmann@objectcode.de::f3f602c2-190d-40ed-9986-6fb24ba2ea79" providerId="AD" clId="Web-{D3F5B21F-9CA7-4383-926B-1FCD2DEE93DD}" dt="2020-11-20T12:00:09.135" v="219" actId="14100"/>
-          <ac:spMkLst>
-            <pc:docMk/>
-            <pc:sldMk cId="0" sldId="260"/>
-            <ac:spMk id="2" creationId="{8E1E264E-B8AF-4C12-B5FF-A16C5B25899E}"/>
-          </ac:spMkLst>
-        </pc:spChg>
-        <pc:spChg chg="mod">
-          <ac:chgData name="Vitus Forsmann" userId="S::forsmann@objectcode.de::f3f602c2-190d-40ed-9986-6fb24ba2ea79" providerId="AD" clId="Web-{D3F5B21F-9CA7-4383-926B-1FCD2DEE93DD}" dt="2020-11-20T11:08:59.641" v="22" actId="20577"/>
-          <ac:spMkLst>
-            <pc:docMk/>
-            <pc:sldMk cId="0" sldId="260"/>
-            <ac:spMk id="141" creationId="{00000000-0000-0000-0000-000000000000}"/>
-          </ac:spMkLst>
-        </pc:spChg>
-        <pc:spChg chg="mod">
-          <ac:chgData name="Vitus Forsmann" userId="S::forsmann@objectcode.de::f3f602c2-190d-40ed-9986-6fb24ba2ea79" providerId="AD" clId="Web-{D3F5B21F-9CA7-4383-926B-1FCD2DEE93DD}" dt="2020-11-20T13:27:17.733" v="318" actId="14100"/>
-          <ac:spMkLst>
-            <pc:docMk/>
-            <pc:sldMk cId="0" sldId="260"/>
-            <ac:spMk id="142" creationId="{00000000-0000-0000-0000-000000000000}"/>
-          </ac:spMkLst>
-        </pc:spChg>
-        <pc:picChg chg="add del mod">
-          <ac:chgData name="Vitus Forsmann" userId="S::forsmann@objectcode.de::f3f602c2-190d-40ed-9986-6fb24ba2ea79" providerId="AD" clId="Web-{D3F5B21F-9CA7-4383-926B-1FCD2DEE93DD}" dt="2020-11-20T11:31:20.494" v="115"/>
-          <ac:picMkLst>
-            <pc:docMk/>
-            <pc:sldMk cId="0" sldId="260"/>
-            <ac:picMk id="3" creationId="{73DD95C3-3FFA-4C98-AE34-9522C00C97AE}"/>
-          </ac:picMkLst>
-        </pc:picChg>
-        <pc:picChg chg="add del mod">
-          <ac:chgData name="Vitus Forsmann" userId="S::forsmann@objectcode.de::f3f602c2-190d-40ed-9986-6fb24ba2ea79" providerId="AD" clId="Web-{D3F5B21F-9CA7-4383-926B-1FCD2DEE93DD}" dt="2020-11-20T11:33:34.715" v="125"/>
-          <ac:picMkLst>
-            <pc:docMk/>
-            <pc:sldMk cId="0" sldId="260"/>
-            <ac:picMk id="4" creationId="{343979B1-F032-4540-A796-1C177391B076}"/>
-          </ac:picMkLst>
-        </pc:picChg>
-        <pc:picChg chg="add mod">
-          <ac:chgData name="Vitus Forsmann" userId="S::forsmann@objectcode.de::f3f602c2-190d-40ed-9986-6fb24ba2ea79" providerId="AD" clId="Web-{D3F5B21F-9CA7-4383-926B-1FCD2DEE93DD}" dt="2020-11-20T11:36:23.234" v="189" actId="14100"/>
-          <ac:picMkLst>
-            <pc:docMk/>
-            <pc:sldMk cId="0" sldId="260"/>
-            <ac:picMk id="5" creationId="{BE025459-7EF8-4F6C-AFE8-5F91E0E403FB}"/>
-          </ac:picMkLst>
-        </pc:picChg>
-      </pc:sldChg>
-      <pc:sldChg chg="modSp">
-        <pc:chgData name="Vitus Forsmann" userId="S::forsmann@objectcode.de::f3f602c2-190d-40ed-9986-6fb24ba2ea79" providerId="AD" clId="Web-{D3F5B21F-9CA7-4383-926B-1FCD2DEE93DD}" dt="2020-11-20T11:17:21.838" v="91" actId="20577"/>
-        <pc:sldMkLst>
-          <pc:docMk/>
-          <pc:sldMk cId="3499098442" sldId="270"/>
-        </pc:sldMkLst>
-        <pc:spChg chg="mod">
-          <ac:chgData name="Vitus Forsmann" userId="S::forsmann@objectcode.de::f3f602c2-190d-40ed-9986-6fb24ba2ea79" providerId="AD" clId="Web-{D3F5B21F-9CA7-4383-926B-1FCD2DEE93DD}" dt="2020-11-20T11:17:21.838" v="91" actId="20577"/>
-          <ac:spMkLst>
-            <pc:docMk/>
-            <pc:sldMk cId="3499098442" sldId="270"/>
-            <ac:spMk id="145" creationId="{00000000-0000-0000-0000-000000000000}"/>
-          </ac:spMkLst>
-        </pc:spChg>
-      </pc:sldChg>
-      <pc:sldChg chg="modSp">
-        <pc:chgData name="Vitus Forsmann" userId="S::forsmann@objectcode.de::f3f602c2-190d-40ed-9986-6fb24ba2ea79" providerId="AD" clId="Web-{D3F5B21F-9CA7-4383-926B-1FCD2DEE93DD}" dt="2020-11-20T11:08:33.703" v="20" actId="20577"/>
-        <pc:sldMkLst>
-          <pc:docMk/>
-          <pc:sldMk cId="2477974512" sldId="272"/>
-        </pc:sldMkLst>
-        <pc:spChg chg="mod">
-          <ac:chgData name="Vitus Forsmann" userId="S::forsmann@objectcode.de::f3f602c2-190d-40ed-9986-6fb24ba2ea79" providerId="AD" clId="Web-{D3F5B21F-9CA7-4383-926B-1FCD2DEE93DD}" dt="2020-11-20T11:08:33.703" v="20" actId="20577"/>
-          <ac:spMkLst>
-            <pc:docMk/>
-            <pc:sldMk cId="2477974512" sldId="272"/>
-            <ac:spMk id="145" creationId="{00000000-0000-0000-0000-000000000000}"/>
-          </ac:spMkLst>
-        </pc:spChg>
-      </pc:sldChg>
-      <pc:sldChg chg="addSp delSp modSp">
-        <pc:chgData name="Vitus Forsmann" userId="S::forsmann@objectcode.de::f3f602c2-190d-40ed-9986-6fb24ba2ea79" providerId="AD" clId="Web-{D3F5B21F-9CA7-4383-926B-1FCD2DEE93DD}" dt="2020-11-20T13:26:58.811" v="308"/>
-        <pc:sldMkLst>
-          <pc:docMk/>
-          <pc:sldMk cId="463479256" sldId="273"/>
-        </pc:sldMkLst>
-        <pc:spChg chg="add del mod">
-          <ac:chgData name="Vitus Forsmann" userId="S::forsmann@objectcode.de::f3f602c2-190d-40ed-9986-6fb24ba2ea79" providerId="AD" clId="Web-{D3F5B21F-9CA7-4383-926B-1FCD2DEE93DD}" dt="2020-11-20T12:09:53.821" v="260"/>
-          <ac:spMkLst>
-            <pc:docMk/>
-            <pc:sldMk cId="463479256" sldId="273"/>
-            <ac:spMk id="3" creationId="{3A8DC76E-9D8A-4980-910E-71C6056F1E2B}"/>
-          </ac:spMkLst>
-        </pc:spChg>
-        <pc:spChg chg="mod">
-          <ac:chgData name="Vitus Forsmann" userId="S::forsmann@objectcode.de::f3f602c2-190d-40ed-9986-6fb24ba2ea79" providerId="AD" clId="Web-{D3F5B21F-9CA7-4383-926B-1FCD2DEE93DD}" dt="2020-11-20T12:54:22.883" v="297" actId="20577"/>
-          <ac:spMkLst>
-            <pc:docMk/>
-            <pc:sldMk cId="463479256" sldId="273"/>
-            <ac:spMk id="142" creationId="{00000000-0000-0000-0000-000000000000}"/>
-          </ac:spMkLst>
-        </pc:spChg>
-        <pc:picChg chg="add del mod">
-          <ac:chgData name="Vitus Forsmann" userId="S::forsmann@objectcode.de::f3f602c2-190d-40ed-9986-6fb24ba2ea79" providerId="AD" clId="Web-{D3F5B21F-9CA7-4383-926B-1FCD2DEE93DD}" dt="2020-11-20T12:08:27.615" v="253"/>
-          <ac:picMkLst>
-            <pc:docMk/>
-            <pc:sldMk cId="463479256" sldId="273"/>
-            <ac:picMk id="2" creationId="{ADC1ECC1-5F1E-48EA-B221-3338E1A80DB2}"/>
-          </ac:picMkLst>
-        </pc:picChg>
-        <pc:picChg chg="add del mod">
-          <ac:chgData name="Vitus Forsmann" userId="S::forsmann@objectcode.de::f3f602c2-190d-40ed-9986-6fb24ba2ea79" providerId="AD" clId="Web-{D3F5B21F-9CA7-4383-926B-1FCD2DEE93DD}" dt="2020-11-20T13:26:58.811" v="308"/>
-          <ac:picMkLst>
-            <pc:docMk/>
-            <pc:sldMk cId="463479256" sldId="273"/>
-            <ac:picMk id="4" creationId="{6E7CC561-714E-4336-9C9E-C1B24C5F5181}"/>
-          </ac:picMkLst>
-        </pc:picChg>
-      </pc:sldChg>
-      <pc:sldChg chg="new del ord">
-        <pc:chgData name="Vitus Forsmann" userId="S::forsmann@objectcode.de::f3f602c2-190d-40ed-9986-6fb24ba2ea79" providerId="AD" clId="Web-{D3F5B21F-9CA7-4383-926B-1FCD2DEE93DD}" dt="2020-11-20T11:10:01.158" v="27"/>
-        <pc:sldMkLst>
-          <pc:docMk/>
-          <pc:sldMk cId="2174956576" sldId="279"/>
-        </pc:sldMkLst>
-      </pc:sldChg>
-      <pc:sldChg chg="addSp delSp modSp add ord replId">
-        <pc:chgData name="Vitus Forsmann" userId="S::forsmann@objectcode.de::f3f602c2-190d-40ed-9986-6fb24ba2ea79" providerId="AD" clId="Web-{D3F5B21F-9CA7-4383-926B-1FCD2DEE93DD}" dt="2020-11-20T13:28:43.562" v="362" actId="1076"/>
-        <pc:sldMkLst>
-          <pc:docMk/>
-          <pc:sldMk cId="4029409732" sldId="279"/>
-        </pc:sldMkLst>
-        <pc:spChg chg="add mod">
-          <ac:chgData name="Vitus Forsmann" userId="S::forsmann@objectcode.de::f3f602c2-190d-40ed-9986-6fb24ba2ea79" providerId="AD" clId="Web-{D3F5B21F-9CA7-4383-926B-1FCD2DEE93DD}" dt="2020-11-20T13:28:43.562" v="362" actId="1076"/>
-          <ac:spMkLst>
-            <pc:docMk/>
-            <pc:sldMk cId="4029409732" sldId="279"/>
-            <ac:spMk id="3" creationId="{4118FC18-9661-468E-8DBB-EC27B638406E}"/>
-          </ac:spMkLst>
-        </pc:spChg>
-        <pc:spChg chg="mod">
-          <ac:chgData name="Vitus Forsmann" userId="S::forsmann@objectcode.de::f3f602c2-190d-40ed-9986-6fb24ba2ea79" providerId="AD" clId="Web-{D3F5B21F-9CA7-4383-926B-1FCD2DEE93DD}" dt="2020-11-20T12:54:17.274" v="294" actId="20577"/>
-          <ac:spMkLst>
-            <pc:docMk/>
-            <pc:sldMk cId="4029409732" sldId="279"/>
-            <ac:spMk id="142" creationId="{00000000-0000-0000-0000-000000000000}"/>
-          </ac:spMkLst>
-        </pc:spChg>
-        <pc:picChg chg="add del mod">
-          <ac:chgData name="Vitus Forsmann" userId="S::forsmann@objectcode.de::f3f602c2-190d-40ed-9986-6fb24ba2ea79" providerId="AD" clId="Web-{D3F5B21F-9CA7-4383-926B-1FCD2DEE93DD}" dt="2020-11-20T12:57:17.276" v="302"/>
-          <ac:picMkLst>
-            <pc:docMk/>
-            <pc:sldMk cId="4029409732" sldId="279"/>
-            <ac:picMk id="2" creationId="{785558D6-9E5F-4702-A7A9-D8667FCD4BCE}"/>
-          </ac:picMkLst>
-        </pc:picChg>
-        <pc:picChg chg="add mod">
-          <ac:chgData name="Vitus Forsmann" userId="S::forsmann@objectcode.de::f3f602c2-190d-40ed-9986-6fb24ba2ea79" providerId="AD" clId="Web-{D3F5B21F-9CA7-4383-926B-1FCD2DEE93DD}" dt="2020-11-20T13:28:20.140" v="354" actId="1076"/>
-          <ac:picMkLst>
-            <pc:docMk/>
-            <pc:sldMk cId="4029409732" sldId="279"/>
-            <ac:picMk id="2" creationId="{BA7C5AE3-7EE7-468D-9470-6016C66DE67E}"/>
-          </ac:picMkLst>
-        </pc:picChg>
-        <pc:picChg chg="del">
-          <ac:chgData name="Vitus Forsmann" userId="S::forsmann@objectcode.de::f3f602c2-190d-40ed-9986-6fb24ba2ea79" providerId="AD" clId="Web-{D3F5B21F-9CA7-4383-926B-1FCD2DEE93DD}" dt="2020-11-20T12:53:48.820" v="283"/>
-          <ac:picMkLst>
-            <pc:docMk/>
-            <pc:sldMk cId="4029409732" sldId="279"/>
-            <ac:picMk id="4" creationId="{6E7CC561-714E-4336-9C9E-C1B24C5F5181}"/>
-          </ac:picMkLst>
-        </pc:picChg>
-      </pc:sldChg>
-      <pc:sldChg chg="modSp add ord replId">
-        <pc:chgData name="Vitus Forsmann" userId="S::forsmann@objectcode.de::f3f602c2-190d-40ed-9986-6fb24ba2ea79" providerId="AD" clId="Web-{D3F5B21F-9CA7-4383-926B-1FCD2DEE93DD}" dt="2020-11-20T13:45:20.607" v="482" actId="14100"/>
-        <pc:sldMkLst>
-          <pc:docMk/>
-          <pc:sldMk cId="3260054233" sldId="280"/>
-        </pc:sldMkLst>
-        <pc:spChg chg="mod">
-          <ac:chgData name="Vitus Forsmann" userId="S::forsmann@objectcode.de::f3f602c2-190d-40ed-9986-6fb24ba2ea79" providerId="AD" clId="Web-{D3F5B21F-9CA7-4383-926B-1FCD2DEE93DD}" dt="2020-11-20T13:44:52.451" v="480" actId="14100"/>
-          <ac:spMkLst>
-            <pc:docMk/>
-            <pc:sldMk cId="3260054233" sldId="280"/>
-            <ac:spMk id="2" creationId="{8E1E264E-B8AF-4C12-B5FF-A16C5B25899E}"/>
-          </ac:spMkLst>
-        </pc:spChg>
-        <pc:spChg chg="mod">
-          <ac:chgData name="Vitus Forsmann" userId="S::forsmann@objectcode.de::f3f602c2-190d-40ed-9986-6fb24ba2ea79" providerId="AD" clId="Web-{D3F5B21F-9CA7-4383-926B-1FCD2DEE93DD}" dt="2020-11-20T13:41:54.839" v="367" actId="20577"/>
-          <ac:spMkLst>
-            <pc:docMk/>
-            <pc:sldMk cId="3260054233" sldId="280"/>
-            <ac:spMk id="142" creationId="{00000000-0000-0000-0000-000000000000}"/>
-          </ac:spMkLst>
-        </pc:spChg>
-        <pc:picChg chg="mod">
-          <ac:chgData name="Vitus Forsmann" userId="S::forsmann@objectcode.de::f3f602c2-190d-40ed-9986-6fb24ba2ea79" providerId="AD" clId="Web-{D3F5B21F-9CA7-4383-926B-1FCD2DEE93DD}" dt="2020-11-20T13:45:20.607" v="482" actId="14100"/>
-          <ac:picMkLst>
-            <pc:docMk/>
-            <pc:sldMk cId="3260054233" sldId="280"/>
-            <ac:picMk id="5" creationId="{BE025459-7EF8-4F6C-AFE8-5F91E0E403FB}"/>
-          </ac:picMkLst>
-        </pc:picChg>
-      </pc:sldChg>
-      <pc:sldChg chg="modSp add del ord replId">
-        <pc:chgData name="Vitus Forsmann" userId="S::forsmann@objectcode.de::f3f602c2-190d-40ed-9986-6fb24ba2ea79" providerId="AD" clId="Web-{D3F5B21F-9CA7-4383-926B-1FCD2DEE93DD}" dt="2020-11-20T11:12:16.348" v="79"/>
-        <pc:sldMkLst>
-          <pc:docMk/>
-          <pc:sldMk cId="3731940739" sldId="280"/>
-        </pc:sldMkLst>
-        <pc:spChg chg="mod">
-          <ac:chgData name="Vitus Forsmann" userId="S::forsmann@objectcode.de::f3f602c2-190d-40ed-9986-6fb24ba2ea79" providerId="AD" clId="Web-{D3F5B21F-9CA7-4383-926B-1FCD2DEE93DD}" dt="2020-11-20T11:10:06.893" v="30" actId="20577"/>
-          <ac:spMkLst>
-            <pc:docMk/>
-            <pc:sldMk cId="3731940739" sldId="280"/>
-            <ac:spMk id="130" creationId="{00000000-0000-0000-0000-000000000000}"/>
-          </ac:spMkLst>
-        </pc:spChg>
-        <pc:spChg chg="mod">
-          <ac:chgData name="Vitus Forsmann" userId="S::forsmann@objectcode.de::f3f602c2-190d-40ed-9986-6fb24ba2ea79" providerId="AD" clId="Web-{D3F5B21F-9CA7-4383-926B-1FCD2DEE93DD}" dt="2020-11-20T11:12:14.254" v="78" actId="20577"/>
-          <ac:spMkLst>
-            <pc:docMk/>
-            <pc:sldMk cId="3731940739" sldId="280"/>
-            <ac:spMk id="131" creationId="{00000000-0000-0000-0000-000000000000}"/>
-          </ac:spMkLst>
-        </pc:spChg>
-        <pc:spChg chg="mod">
-          <ac:chgData name="Vitus Forsmann" userId="S::forsmann@objectcode.de::f3f602c2-190d-40ed-9986-6fb24ba2ea79" providerId="AD" clId="Web-{D3F5B21F-9CA7-4383-926B-1FCD2DEE93DD}" dt="2020-11-20T11:10:13.002" v="47" actId="20577"/>
-          <ac:spMkLst>
-            <pc:docMk/>
-            <pc:sldMk cId="3731940739" sldId="280"/>
-            <ac:spMk id="132" creationId="{00000000-0000-0000-0000-000000000000}"/>
-          </ac:spMkLst>
-        </pc:spChg>
-      </pc:sldChg>
-    </pc:docChg>
-  </pc:docChgLst>
-  <pc:docChgLst>
-    <pc:chgData name="Vitus Forsmann" userId="S::forsmann@objectcode.de::f3f602c2-190d-40ed-9986-6fb24ba2ea79" providerId="AD" clId="Web-{9E25CFD8-5CA1-E81F-DE54-47CAA7B1C89C}"/>
-    <pc:docChg chg="addSld delSld modSld sldOrd">
-      <pc:chgData name="Vitus Forsmann" userId="S::forsmann@objectcode.de::f3f602c2-190d-40ed-9986-6fb24ba2ea79" providerId="AD" clId="Web-{9E25CFD8-5CA1-E81F-DE54-47CAA7B1C89C}" dt="2020-11-20T18:01:48.406" v="4599" actId="20577"/>
-      <pc:docMkLst>
-        <pc:docMk/>
-      </pc:docMkLst>
-      <pc:sldChg chg="modSp">
-        <pc:chgData name="Vitus Forsmann" userId="S::forsmann@objectcode.de::f3f602c2-190d-40ed-9986-6fb24ba2ea79" providerId="AD" clId="Web-{9E25CFD8-5CA1-E81F-DE54-47CAA7B1C89C}" dt="2020-11-20T17:18:00.185" v="3609" actId="20577"/>
-        <pc:sldMkLst>
-          <pc:docMk/>
-          <pc:sldMk cId="0" sldId="257"/>
-        </pc:sldMkLst>
-        <pc:spChg chg="mod">
-          <ac:chgData name="Vitus Forsmann" userId="S::forsmann@objectcode.de::f3f602c2-190d-40ed-9986-6fb24ba2ea79" providerId="AD" clId="Web-{9E25CFD8-5CA1-E81F-DE54-47CAA7B1C89C}" dt="2020-11-20T17:18:00.185" v="3609" actId="20577"/>
-          <ac:spMkLst>
-            <pc:docMk/>
-            <pc:sldMk cId="0" sldId="257"/>
-            <ac:spMk id="131" creationId="{00000000-0000-0000-0000-000000000000}"/>
-          </ac:spMkLst>
-        </pc:spChg>
-      </pc:sldChg>
-      <pc:sldChg chg="addSp delSp modSp">
-        <pc:chgData name="Vitus Forsmann" userId="S::forsmann@objectcode.de::f3f602c2-190d-40ed-9986-6fb24ba2ea79" providerId="AD" clId="Web-{9E25CFD8-5CA1-E81F-DE54-47CAA7B1C89C}" dt="2020-11-20T16:45:11.364" v="2553" actId="1076"/>
-        <pc:sldMkLst>
-          <pc:docMk/>
-          <pc:sldMk cId="0" sldId="264"/>
-        </pc:sldMkLst>
-        <pc:spChg chg="mod">
-          <ac:chgData name="Vitus Forsmann" userId="S::forsmann@objectcode.de::f3f602c2-190d-40ed-9986-6fb24ba2ea79" providerId="AD" clId="Web-{9E25CFD8-5CA1-E81F-DE54-47CAA7B1C89C}" dt="2020-11-20T14:47:13.305" v="422" actId="20577"/>
-          <ac:spMkLst>
-            <pc:docMk/>
-            <pc:sldMk cId="0" sldId="264"/>
-            <ac:spMk id="154" creationId="{00000000-0000-0000-0000-000000000000}"/>
-          </ac:spMkLst>
-        </pc:spChg>
-        <pc:picChg chg="add del mod">
-          <ac:chgData name="Vitus Forsmann" userId="S::forsmann@objectcode.de::f3f602c2-190d-40ed-9986-6fb24ba2ea79" providerId="AD" clId="Web-{9E25CFD8-5CA1-E81F-DE54-47CAA7B1C89C}" dt="2020-11-20T16:27:20.022" v="2053"/>
-          <ac:picMkLst>
-            <pc:docMk/>
-            <pc:sldMk cId="0" sldId="264"/>
-            <ac:picMk id="2" creationId="{333886C5-7047-414D-82A4-D06C9AB336C7}"/>
-          </ac:picMkLst>
-        </pc:picChg>
-        <pc:picChg chg="add del mod">
-          <ac:chgData name="Vitus Forsmann" userId="S::forsmann@objectcode.de::f3f602c2-190d-40ed-9986-6fb24ba2ea79" providerId="AD" clId="Web-{9E25CFD8-5CA1-E81F-DE54-47CAA7B1C89C}" dt="2020-11-20T16:27:58.960" v="2059"/>
-          <ac:picMkLst>
-            <pc:docMk/>
-            <pc:sldMk cId="0" sldId="264"/>
-            <ac:picMk id="3" creationId="{3D6C958F-2E2C-4D81-AFA7-1FC293976E98}"/>
-          </ac:picMkLst>
-        </pc:picChg>
-        <pc:picChg chg="add del mod">
-          <ac:chgData name="Vitus Forsmann" userId="S::forsmann@objectcode.de::f3f602c2-190d-40ed-9986-6fb24ba2ea79" providerId="AD" clId="Web-{9E25CFD8-5CA1-E81F-DE54-47CAA7B1C89C}" dt="2020-11-20T16:28:02.632" v="2061"/>
-          <ac:picMkLst>
-            <pc:docMk/>
-            <pc:sldMk cId="0" sldId="264"/>
-            <ac:picMk id="4" creationId="{0538C7E8-A394-4DC2-BCDA-D8C8DD3C8BCA}"/>
-          </ac:picMkLst>
-        </pc:picChg>
-        <pc:picChg chg="add del mod">
-          <ac:chgData name="Vitus Forsmann" userId="S::forsmann@objectcode.de::f3f602c2-190d-40ed-9986-6fb24ba2ea79" providerId="AD" clId="Web-{9E25CFD8-5CA1-E81F-DE54-47CAA7B1C89C}" dt="2020-11-20T16:44:37.473" v="2548"/>
-          <ac:picMkLst>
-            <pc:docMk/>
-            <pc:sldMk cId="0" sldId="264"/>
-            <ac:picMk id="5" creationId="{7810BB28-6CAA-4308-A404-A39064D67D1B}"/>
-          </ac:picMkLst>
-        </pc:picChg>
-        <pc:picChg chg="add mod">
-          <ac:chgData name="Vitus Forsmann" userId="S::forsmann@objectcode.de::f3f602c2-190d-40ed-9986-6fb24ba2ea79" providerId="AD" clId="Web-{9E25CFD8-5CA1-E81F-DE54-47CAA7B1C89C}" dt="2020-11-20T16:45:11.364" v="2553" actId="1076"/>
-          <ac:picMkLst>
-            <pc:docMk/>
-            <pc:sldMk cId="0" sldId="264"/>
-            <ac:picMk id="6" creationId="{13120669-C1BC-4260-AD5E-7889C2148766}"/>
-          </ac:picMkLst>
-        </pc:picChg>
-      </pc:sldChg>
-      <pc:sldChg chg="addSp modSp">
-        <pc:chgData name="Vitus Forsmann" userId="S::forsmann@objectcode.de::f3f602c2-190d-40ed-9986-6fb24ba2ea79" providerId="AD" clId="Web-{9E25CFD8-5CA1-E81F-DE54-47CAA7B1C89C}" dt="2020-11-20T17:41:50.641" v="4236" actId="20577"/>
-        <pc:sldMkLst>
-          <pc:docMk/>
-          <pc:sldMk cId="3499098442" sldId="270"/>
-        </pc:sldMkLst>
-        <pc:spChg chg="add mod">
-          <ac:chgData name="Vitus Forsmann" userId="S::forsmann@objectcode.de::f3f602c2-190d-40ed-9986-6fb24ba2ea79" providerId="AD" clId="Web-{9E25CFD8-5CA1-E81F-DE54-47CAA7B1C89C}" dt="2020-11-20T17:41:20.656" v="4231" actId="14100"/>
-          <ac:spMkLst>
-            <pc:docMk/>
-            <pc:sldMk cId="3499098442" sldId="270"/>
-            <ac:spMk id="7" creationId="{64B4C41E-98CA-4EFB-9575-A7812FD35A65}"/>
-          </ac:spMkLst>
-        </pc:spChg>
-        <pc:spChg chg="mod">
-          <ac:chgData name="Vitus Forsmann" userId="S::forsmann@objectcode.de::f3f602c2-190d-40ed-9986-6fb24ba2ea79" providerId="AD" clId="Web-{9E25CFD8-5CA1-E81F-DE54-47CAA7B1C89C}" dt="2020-11-20T17:41:50.641" v="4236" actId="20577"/>
-          <ac:spMkLst>
-            <pc:docMk/>
-            <pc:sldMk cId="3499098442" sldId="270"/>
-            <ac:spMk id="145" creationId="{00000000-0000-0000-0000-000000000000}"/>
-          </ac:spMkLst>
-        </pc:spChg>
-        <pc:spChg chg="mod">
-          <ac:chgData name="Vitus Forsmann" userId="S::forsmann@objectcode.de::f3f602c2-190d-40ed-9986-6fb24ba2ea79" providerId="AD" clId="Web-{9E25CFD8-5CA1-E81F-DE54-47CAA7B1C89C}" dt="2020-11-20T17:37:10.919" v="4174" actId="14100"/>
-          <ac:spMkLst>
-            <pc:docMk/>
-            <pc:sldMk cId="3499098442" sldId="270"/>
-            <ac:spMk id="147" creationId="{00000000-0000-0000-0000-000000000000}"/>
-          </ac:spMkLst>
-        </pc:spChg>
-      </pc:sldChg>
-      <pc:sldChg chg="addSp modSp">
-        <pc:chgData name="Vitus Forsmann" userId="S::forsmann@objectcode.de::f3f602c2-190d-40ed-9986-6fb24ba2ea79" providerId="AD" clId="Web-{9E25CFD8-5CA1-E81F-DE54-47CAA7B1C89C}" dt="2020-11-20T17:44:35.502" v="4289" actId="20577"/>
-        <pc:sldMkLst>
-          <pc:docMk/>
-          <pc:sldMk cId="1624409311" sldId="271"/>
-        </pc:sldMkLst>
-        <pc:spChg chg="add mod">
-          <ac:chgData name="Vitus Forsmann" userId="S::forsmann@objectcode.de::f3f602c2-190d-40ed-9986-6fb24ba2ea79" providerId="AD" clId="Web-{9E25CFD8-5CA1-E81F-DE54-47CAA7B1C89C}" dt="2020-11-20T17:44:35.502" v="4289" actId="20577"/>
-          <ac:spMkLst>
-            <pc:docMk/>
-            <pc:sldMk cId="1624409311" sldId="271"/>
-            <ac:spMk id="3" creationId="{525718FB-0FBE-4872-8AF5-DAE51B893BE2}"/>
-          </ac:spMkLst>
-        </pc:spChg>
-        <pc:spChg chg="mod">
-          <ac:chgData name="Vitus Forsmann" userId="S::forsmann@objectcode.de::f3f602c2-190d-40ed-9986-6fb24ba2ea79" providerId="AD" clId="Web-{9E25CFD8-5CA1-E81F-DE54-47CAA7B1C89C}" dt="2020-11-20T17:43:20.861" v="4247" actId="20577"/>
-          <ac:spMkLst>
-            <pc:docMk/>
-            <pc:sldMk cId="1624409311" sldId="271"/>
-            <ac:spMk id="145" creationId="{00000000-0000-0000-0000-000000000000}"/>
-          </ac:spMkLst>
-        </pc:spChg>
-      </pc:sldChg>
-      <pc:sldChg chg="addSp delSp modSp">
-        <pc:chgData name="Vitus Forsmann" userId="S::forsmann@objectcode.de::f3f602c2-190d-40ed-9986-6fb24ba2ea79" providerId="AD" clId="Web-{9E25CFD8-5CA1-E81F-DE54-47CAA7B1C89C}" dt="2020-11-20T17:53:10.087" v="4415" actId="20577"/>
-        <pc:sldMkLst>
-          <pc:docMk/>
-          <pc:sldMk cId="463479256" sldId="273"/>
-        </pc:sldMkLst>
-        <pc:spChg chg="add mod">
-          <ac:chgData name="Vitus Forsmann" userId="S::forsmann@objectcode.de::f3f602c2-190d-40ed-9986-6fb24ba2ea79" providerId="AD" clId="Web-{9E25CFD8-5CA1-E81F-DE54-47CAA7B1C89C}" dt="2020-11-20T17:53:07.165" v="4414" actId="20577"/>
-          <ac:spMkLst>
-            <pc:docMk/>
-            <pc:sldMk cId="463479256" sldId="273"/>
-            <ac:spMk id="3" creationId="{3BCBED3C-BBCE-4E91-8B71-DBC9CDE0D62F}"/>
-          </ac:spMkLst>
-        </pc:spChg>
-        <pc:spChg chg="add del mod">
-          <ac:chgData name="Vitus Forsmann" userId="S::forsmann@objectcode.de::f3f602c2-190d-40ed-9986-6fb24ba2ea79" providerId="AD" clId="Web-{9E25CFD8-5CA1-E81F-DE54-47CAA7B1C89C}" dt="2020-11-20T17:47:19.333" v="4316"/>
-          <ac:spMkLst>
-            <pc:docMk/>
-            <pc:sldMk cId="463479256" sldId="273"/>
-            <ac:spMk id="5" creationId="{B43BA12E-FD44-4F98-9D72-E51FF190A6F0}"/>
-          </ac:spMkLst>
-        </pc:spChg>
-        <pc:spChg chg="add mod">
-          <ac:chgData name="Vitus Forsmann" userId="S::forsmann@objectcode.de::f3f602c2-190d-40ed-9986-6fb24ba2ea79" providerId="AD" clId="Web-{9E25CFD8-5CA1-E81F-DE54-47CAA7B1C89C}" dt="2020-11-20T17:53:10.087" v="4415" actId="20577"/>
-          <ac:spMkLst>
-            <pc:docMk/>
-            <pc:sldMk cId="463479256" sldId="273"/>
-            <ac:spMk id="6" creationId="{5D75EE19-DFA4-4421-AE34-4DF653111E7D}"/>
-          </ac:spMkLst>
-        </pc:spChg>
-        <pc:picChg chg="add del mod">
-          <ac:chgData name="Vitus Forsmann" userId="S::forsmann@objectcode.de::f3f602c2-190d-40ed-9986-6fb24ba2ea79" providerId="AD" clId="Web-{9E25CFD8-5CA1-E81F-DE54-47CAA7B1C89C}" dt="2020-11-20T14:33:51.248" v="376"/>
-          <ac:picMkLst>
-            <pc:docMk/>
-            <pc:sldMk cId="463479256" sldId="273"/>
-            <ac:picMk id="2" creationId="{04903BD4-CD09-4B17-AABA-CAAF51C8218E}"/>
-          </ac:picMkLst>
-        </pc:picChg>
-        <pc:picChg chg="add mod">
-          <ac:chgData name="Vitus Forsmann" userId="S::forsmann@objectcode.de::f3f602c2-190d-40ed-9986-6fb24ba2ea79" providerId="AD" clId="Web-{9E25CFD8-5CA1-E81F-DE54-47CAA7B1C89C}" dt="2020-11-20T14:34:12.108" v="382" actId="1076"/>
-          <ac:picMkLst>
-            <pc:docMk/>
-            <pc:sldMk cId="463479256" sldId="273"/>
-            <ac:picMk id="4" creationId="{49C32234-ACDC-42DB-8B6D-70F5E8DECA26}"/>
-          </ac:picMkLst>
-        </pc:picChg>
-      </pc:sldChg>
-      <pc:sldChg chg="modSp">
-        <pc:chgData name="Vitus Forsmann" userId="S::forsmann@objectcode.de::f3f602c2-190d-40ed-9986-6fb24ba2ea79" providerId="AD" clId="Web-{9E25CFD8-5CA1-E81F-DE54-47CAA7B1C89C}" dt="2020-11-20T16:35:38.591" v="2325" actId="20577"/>
-        <pc:sldMkLst>
-          <pc:docMk/>
-          <pc:sldMk cId="3292538432" sldId="274"/>
-        </pc:sldMkLst>
-        <pc:spChg chg="mod">
-          <ac:chgData name="Vitus Forsmann" userId="S::forsmann@objectcode.de::f3f602c2-190d-40ed-9986-6fb24ba2ea79" providerId="AD" clId="Web-{9E25CFD8-5CA1-E81F-DE54-47CAA7B1C89C}" dt="2020-11-20T16:35:38.591" v="2325" actId="20577"/>
-          <ac:spMkLst>
-            <pc:docMk/>
-            <pc:sldMk cId="3292538432" sldId="274"/>
-            <ac:spMk id="148" creationId="{00000000-0000-0000-0000-000000000000}"/>
-          </ac:spMkLst>
-        </pc:spChg>
-      </pc:sldChg>
-      <pc:sldChg chg="addSp modSp">
-        <pc:chgData name="Vitus Forsmann" userId="S::forsmann@objectcode.de::f3f602c2-190d-40ed-9986-6fb24ba2ea79" providerId="AD" clId="Web-{9E25CFD8-5CA1-E81F-DE54-47CAA7B1C89C}" dt="2020-11-20T18:00:16.373" v="4584" actId="20577"/>
-        <pc:sldMkLst>
-          <pc:docMk/>
-          <pc:sldMk cId="2522530182" sldId="275"/>
-        </pc:sldMkLst>
-        <pc:spChg chg="add mod">
-          <ac:chgData name="Vitus Forsmann" userId="S::forsmann@objectcode.de::f3f602c2-190d-40ed-9986-6fb24ba2ea79" providerId="AD" clId="Web-{9E25CFD8-5CA1-E81F-DE54-47CAA7B1C89C}" dt="2020-11-20T18:00:16.373" v="4584" actId="20577"/>
-          <ac:spMkLst>
-            <pc:docMk/>
-            <pc:sldMk cId="2522530182" sldId="275"/>
-            <ac:spMk id="2" creationId="{8D18683C-1D44-46A3-B4AC-E281C443B498}"/>
-          </ac:spMkLst>
-        </pc:spChg>
-        <pc:spChg chg="mod">
-          <ac:chgData name="Vitus Forsmann" userId="S::forsmann@objectcode.de::f3f602c2-190d-40ed-9986-6fb24ba2ea79" providerId="AD" clId="Web-{9E25CFD8-5CA1-E81F-DE54-47CAA7B1C89C}" dt="2020-11-20T16:35:34.716" v="2324" actId="20577"/>
-          <ac:spMkLst>
-            <pc:docMk/>
-            <pc:sldMk cId="2522530182" sldId="275"/>
-            <ac:spMk id="153" creationId="{00000000-0000-0000-0000-000000000000}"/>
-          </ac:spMkLst>
-        </pc:spChg>
-        <pc:spChg chg="mod">
-          <ac:chgData name="Vitus Forsmann" userId="S::forsmann@objectcode.de::f3f602c2-190d-40ed-9986-6fb24ba2ea79" providerId="AD" clId="Web-{9E25CFD8-5CA1-E81F-DE54-47CAA7B1C89C}" dt="2020-11-20T16:15:11.638" v="1715" actId="20577"/>
-          <ac:spMkLst>
-            <pc:docMk/>
-            <pc:sldMk cId="2522530182" sldId="275"/>
-            <ac:spMk id="154" creationId="{00000000-0000-0000-0000-000000000000}"/>
-          </ac:spMkLst>
-        </pc:spChg>
-        <pc:spChg chg="mod">
-          <ac:chgData name="Vitus Forsmann" userId="S::forsmann@objectcode.de::f3f602c2-190d-40ed-9986-6fb24ba2ea79" providerId="AD" clId="Web-{9E25CFD8-5CA1-E81F-DE54-47CAA7B1C89C}" dt="2020-11-20T16:46:15.615" v="2568" actId="20577"/>
-          <ac:spMkLst>
-            <pc:docMk/>
-            <pc:sldMk cId="2522530182" sldId="275"/>
-            <ac:spMk id="155" creationId="{00000000-0000-0000-0000-000000000000}"/>
-          </ac:spMkLst>
-        </pc:spChg>
-        <pc:picChg chg="add mod">
-          <ac:chgData name="Vitus Forsmann" userId="S::forsmann@objectcode.de::f3f602c2-190d-40ed-9986-6fb24ba2ea79" providerId="AD" clId="Web-{9E25CFD8-5CA1-E81F-DE54-47CAA7B1C89C}" dt="2020-11-20T17:59:08.607" v="4529" actId="1076"/>
-          <ac:picMkLst>
-            <pc:docMk/>
-            <pc:sldMk cId="2522530182" sldId="275"/>
-            <ac:picMk id="3" creationId="{00775BA1-0EBE-4266-9EF2-5A5BAAB5BC85}"/>
-          </ac:picMkLst>
-        </pc:picChg>
-      </pc:sldChg>
-      <pc:sldChg chg="addSp modSp">
-        <pc:chgData name="Vitus Forsmann" userId="S::forsmann@objectcode.de::f3f602c2-190d-40ed-9986-6fb24ba2ea79" providerId="AD" clId="Web-{9E25CFD8-5CA1-E81F-DE54-47CAA7B1C89C}" dt="2020-11-20T18:01:48.406" v="4599" actId="20577"/>
-        <pc:sldMkLst>
-          <pc:docMk/>
-          <pc:sldMk cId="2386001915" sldId="276"/>
-        </pc:sldMkLst>
-        <pc:spChg chg="add mod">
-          <ac:chgData name="Vitus Forsmann" userId="S::forsmann@objectcode.de::f3f602c2-190d-40ed-9986-6fb24ba2ea79" providerId="AD" clId="Web-{9E25CFD8-5CA1-E81F-DE54-47CAA7B1C89C}" dt="2020-11-20T18:01:48.406" v="4599" actId="20577"/>
-          <ac:spMkLst>
-            <pc:docMk/>
-            <pc:sldMk cId="2386001915" sldId="276"/>
-            <ac:spMk id="2" creationId="{B2EC5CF6-4385-4DB0-8FF6-28D176AEB63B}"/>
-          </ac:spMkLst>
-        </pc:spChg>
-        <pc:spChg chg="mod">
-          <ac:chgData name="Vitus Forsmann" userId="S::forsmann@objectcode.de::f3f602c2-190d-40ed-9986-6fb24ba2ea79" providerId="AD" clId="Web-{9E25CFD8-5CA1-E81F-DE54-47CAA7B1C89C}" dt="2020-11-20T16:45:54.067" v="2563" actId="20577"/>
-          <ac:spMkLst>
-            <pc:docMk/>
-            <pc:sldMk cId="2386001915" sldId="276"/>
-            <ac:spMk id="154" creationId="{00000000-0000-0000-0000-000000000000}"/>
-          </ac:spMkLst>
-        </pc:spChg>
-        <pc:spChg chg="mod">
-          <ac:chgData name="Vitus Forsmann" userId="S::forsmann@objectcode.de::f3f602c2-190d-40ed-9986-6fb24ba2ea79" providerId="AD" clId="Web-{9E25CFD8-5CA1-E81F-DE54-47CAA7B1C89C}" dt="2020-11-20T17:08:26.209" v="3494" actId="20577"/>
-          <ac:spMkLst>
-            <pc:docMk/>
-            <pc:sldMk cId="2386001915" sldId="276"/>
-            <ac:spMk id="155" creationId="{00000000-0000-0000-0000-000000000000}"/>
-          </ac:spMkLst>
-        </pc:spChg>
-      </pc:sldChg>
-      <pc:sldChg chg="addSp delSp modSp">
-        <pc:chgData name="Vitus Forsmann" userId="S::forsmann@objectcode.de::f3f602c2-190d-40ed-9986-6fb24ba2ea79" providerId="AD" clId="Web-{9E25CFD8-5CA1-E81F-DE54-47CAA7B1C89C}" dt="2020-11-20T17:28:56.991" v="4057" actId="20577"/>
-        <pc:sldMkLst>
-          <pc:docMk/>
-          <pc:sldMk cId="346821239" sldId="278"/>
-        </pc:sldMkLst>
-        <pc:spChg chg="mod">
-          <ac:chgData name="Vitus Forsmann" userId="S::forsmann@objectcode.de::f3f602c2-190d-40ed-9986-6fb24ba2ea79" providerId="AD" clId="Web-{9E25CFD8-5CA1-E81F-DE54-47CAA7B1C89C}" dt="2020-11-20T17:17:52.607" v="3607" actId="20577"/>
-          <ac:spMkLst>
-            <pc:docMk/>
-            <pc:sldMk cId="346821239" sldId="278"/>
-            <ac:spMk id="153" creationId="{00000000-0000-0000-0000-000000000000}"/>
-          </ac:spMkLst>
-        </pc:spChg>
-        <pc:spChg chg="mod">
-          <ac:chgData name="Vitus Forsmann" userId="S::forsmann@objectcode.de::f3f602c2-190d-40ed-9986-6fb24ba2ea79" providerId="AD" clId="Web-{9E25CFD8-5CA1-E81F-DE54-47CAA7B1C89C}" dt="2020-11-20T17:28:56.991" v="4057" actId="20577"/>
-          <ac:spMkLst>
-            <pc:docMk/>
-            <pc:sldMk cId="346821239" sldId="278"/>
-            <ac:spMk id="154" creationId="{00000000-0000-0000-0000-000000000000}"/>
-          </ac:spMkLst>
-        </pc:spChg>
-        <pc:spChg chg="add del mod">
-          <ac:chgData name="Vitus Forsmann" userId="S::forsmann@objectcode.de::f3f602c2-190d-40ed-9986-6fb24ba2ea79" providerId="AD" clId="Web-{9E25CFD8-5CA1-E81F-DE54-47CAA7B1C89C}" dt="2020-11-20T17:18:57.342" v="3613" actId="20577"/>
-          <ac:spMkLst>
-            <pc:docMk/>
-            <pc:sldMk cId="346821239" sldId="278"/>
-            <ac:spMk id="155" creationId="{00000000-0000-0000-0000-000000000000}"/>
-          </ac:spMkLst>
-        </pc:spChg>
-      </pc:sldChg>
-      <pc:sldChg chg="addSp modSp">
-        <pc:chgData name="Vitus Forsmann" userId="S::forsmann@objectcode.de::f3f602c2-190d-40ed-9986-6fb24ba2ea79" providerId="AD" clId="Web-{9E25CFD8-5CA1-E81F-DE54-47CAA7B1C89C}" dt="2020-11-20T17:52:34.852" v="4379" actId="20577"/>
-        <pc:sldMkLst>
-          <pc:docMk/>
-          <pc:sldMk cId="4029409732" sldId="279"/>
-        </pc:sldMkLst>
-        <pc:spChg chg="mod">
-          <ac:chgData name="Vitus Forsmann" userId="S::forsmann@objectcode.de::f3f602c2-190d-40ed-9986-6fb24ba2ea79" providerId="AD" clId="Web-{9E25CFD8-5CA1-E81F-DE54-47CAA7B1C89C}" dt="2020-11-20T17:52:32.946" v="4378" actId="20577"/>
-          <ac:spMkLst>
-            <pc:docMk/>
-            <pc:sldMk cId="4029409732" sldId="279"/>
-            <ac:spMk id="3" creationId="{4118FC18-9661-468E-8DBB-EC27B638406E}"/>
-          </ac:spMkLst>
-        </pc:spChg>
-        <pc:spChg chg="add mod">
-          <ac:chgData name="Vitus Forsmann" userId="S::forsmann@objectcode.de::f3f602c2-190d-40ed-9986-6fb24ba2ea79" providerId="AD" clId="Web-{9E25CFD8-5CA1-E81F-DE54-47CAA7B1C89C}" dt="2020-11-20T17:52:34.852" v="4379" actId="20577"/>
-          <ac:spMkLst>
-            <pc:docMk/>
-            <pc:sldMk cId="4029409732" sldId="279"/>
-            <ac:spMk id="4" creationId="{56B38872-3A2B-4B9B-9D92-AD3488C534EC}"/>
-          </ac:spMkLst>
-        </pc:spChg>
-      </pc:sldChg>
-      <pc:sldChg chg="modSp">
-        <pc:chgData name="Vitus Forsmann" userId="S::forsmann@objectcode.de::f3f602c2-190d-40ed-9986-6fb24ba2ea79" providerId="AD" clId="Web-{9E25CFD8-5CA1-E81F-DE54-47CAA7B1C89C}" dt="2020-11-20T17:46:30.676" v="4309" actId="20577"/>
-        <pc:sldMkLst>
-          <pc:docMk/>
-          <pc:sldMk cId="3260054233" sldId="280"/>
-        </pc:sldMkLst>
-        <pc:spChg chg="mod">
-          <ac:chgData name="Vitus Forsmann" userId="S::forsmann@objectcode.de::f3f602c2-190d-40ed-9986-6fb24ba2ea79" providerId="AD" clId="Web-{9E25CFD8-5CA1-E81F-DE54-47CAA7B1C89C}" dt="2020-11-20T17:46:30.676" v="4309" actId="20577"/>
-          <ac:spMkLst>
-            <pc:docMk/>
-            <pc:sldMk cId="3260054233" sldId="280"/>
-            <ac:spMk id="2" creationId="{8E1E264E-B8AF-4C12-B5FF-A16C5B25899E}"/>
-          </ac:spMkLst>
-        </pc:spChg>
-        <pc:picChg chg="mod">
-          <ac:chgData name="Vitus Forsmann" userId="S::forsmann@objectcode.de::f3f602c2-190d-40ed-9986-6fb24ba2ea79" providerId="AD" clId="Web-{9E25CFD8-5CA1-E81F-DE54-47CAA7B1C89C}" dt="2020-11-20T13:54:33.824" v="237" actId="1076"/>
-          <ac:picMkLst>
-            <pc:docMk/>
-            <pc:sldMk cId="3260054233" sldId="280"/>
-            <ac:picMk id="5" creationId="{BE025459-7EF8-4F6C-AFE8-5F91E0E403FB}"/>
-          </ac:picMkLst>
-        </pc:picChg>
-      </pc:sldChg>
-      <pc:sldChg chg="delSp modSp add del replId">
-        <pc:chgData name="Vitus Forsmann" userId="S::forsmann@objectcode.de::f3f602c2-190d-40ed-9986-6fb24ba2ea79" providerId="AD" clId="Web-{9E25CFD8-5CA1-E81F-DE54-47CAA7B1C89C}" dt="2020-11-20T16:04:20.239" v="1461"/>
-        <pc:sldMkLst>
-          <pc:docMk/>
-          <pc:sldMk cId="4095284062" sldId="281"/>
-        </pc:sldMkLst>
-        <pc:spChg chg="mod">
-          <ac:chgData name="Vitus Forsmann" userId="S::forsmann@objectcode.de::f3f602c2-190d-40ed-9986-6fb24ba2ea79" providerId="AD" clId="Web-{9E25CFD8-5CA1-E81F-DE54-47CAA7B1C89C}" dt="2020-11-20T15:16:28.359" v="791" actId="20577"/>
-          <ac:spMkLst>
-            <pc:docMk/>
-            <pc:sldMk cId="4095284062" sldId="281"/>
-            <ac:spMk id="154" creationId="{00000000-0000-0000-0000-000000000000}"/>
-          </ac:spMkLst>
-        </pc:spChg>
-        <pc:picChg chg="del">
-          <ac:chgData name="Vitus Forsmann" userId="S::forsmann@objectcode.de::f3f602c2-190d-40ed-9986-6fb24ba2ea79" providerId="AD" clId="Web-{9E25CFD8-5CA1-E81F-DE54-47CAA7B1C89C}" dt="2020-11-20T14:48:59.447" v="427"/>
-          <ac:picMkLst>
-            <pc:docMk/>
-            <pc:sldMk cId="4095284062" sldId="281"/>
-            <ac:picMk id="2" creationId="{333886C5-7047-414D-82A4-D06C9AB336C7}"/>
-          </ac:picMkLst>
-        </pc:picChg>
-      </pc:sldChg>
-      <pc:sldChg chg="modSp add replId">
-        <pc:chgData name="Vitus Forsmann" userId="S::forsmann@objectcode.de::f3f602c2-190d-40ed-9986-6fb24ba2ea79" providerId="AD" clId="Web-{9E25CFD8-5CA1-E81F-DE54-47CAA7B1C89C}" dt="2020-11-20T16:45:22.364" v="2562" actId="20577"/>
-        <pc:sldMkLst>
-          <pc:docMk/>
-          <pc:sldMk cId="782538437" sldId="282"/>
-        </pc:sldMkLst>
-        <pc:spChg chg="mod">
-          <ac:chgData name="Vitus Forsmann" userId="S::forsmann@objectcode.de::f3f602c2-190d-40ed-9986-6fb24ba2ea79" providerId="AD" clId="Web-{9E25CFD8-5CA1-E81F-DE54-47CAA7B1C89C}" dt="2020-11-20T16:45:22.364" v="2562" actId="20577"/>
-          <ac:spMkLst>
-            <pc:docMk/>
-            <pc:sldMk cId="782538437" sldId="282"/>
-            <ac:spMk id="154" creationId="{00000000-0000-0000-0000-000000000000}"/>
-          </ac:spMkLst>
-        </pc:spChg>
-      </pc:sldChg>
-      <pc:sldChg chg="addSp delSp modSp add replId">
-        <pc:chgData name="Vitus Forsmann" userId="S::forsmann@objectcode.de::f3f602c2-190d-40ed-9986-6fb24ba2ea79" providerId="AD" clId="Web-{9E25CFD8-5CA1-E81F-DE54-47CAA7B1C89C}" dt="2020-11-20T16:09:57.806" v="1712" actId="20577"/>
-        <pc:sldMkLst>
-          <pc:docMk/>
-          <pc:sldMk cId="2189220100" sldId="283"/>
-        </pc:sldMkLst>
-        <pc:spChg chg="add mod">
-          <ac:chgData name="Vitus Forsmann" userId="S::forsmann@objectcode.de::f3f602c2-190d-40ed-9986-6fb24ba2ea79" providerId="AD" clId="Web-{9E25CFD8-5CA1-E81F-DE54-47CAA7B1C89C}" dt="2020-11-20T16:01:31.674" v="1398" actId="1076"/>
-          <ac:spMkLst>
-            <pc:docMk/>
-            <pc:sldMk cId="2189220100" sldId="283"/>
-            <ac:spMk id="10" creationId="{01DF8AD8-B996-44AC-B4A0-8F2CD15C9196}"/>
-          </ac:spMkLst>
-        </pc:spChg>
-        <pc:spChg chg="add del mod">
-          <ac:chgData name="Vitus Forsmann" userId="S::forsmann@objectcode.de::f3f602c2-190d-40ed-9986-6fb24ba2ea79" providerId="AD" clId="Web-{9E25CFD8-5CA1-E81F-DE54-47CAA7B1C89C}" dt="2020-11-20T16:09:57.806" v="1712" actId="20577"/>
-          <ac:spMkLst>
-            <pc:docMk/>
-            <pc:sldMk cId="2189220100" sldId="283"/>
-            <ac:spMk id="154" creationId="{00000000-0000-0000-0000-000000000000}"/>
-          </ac:spMkLst>
-        </pc:spChg>
-        <pc:spChg chg="mod">
-          <ac:chgData name="Vitus Forsmann" userId="S::forsmann@objectcode.de::f3f602c2-190d-40ed-9986-6fb24ba2ea79" providerId="AD" clId="Web-{9E25CFD8-5CA1-E81F-DE54-47CAA7B1C89C}" dt="2020-11-20T15:39:43.533" v="1037" actId="20577"/>
-          <ac:spMkLst>
-            <pc:docMk/>
-            <pc:sldMk cId="2189220100" sldId="283"/>
-            <ac:spMk id="155" creationId="{00000000-0000-0000-0000-000000000000}"/>
-          </ac:spMkLst>
-        </pc:spChg>
-        <pc:picChg chg="add mod">
-          <ac:chgData name="Vitus Forsmann" userId="S::forsmann@objectcode.de::f3f602c2-190d-40ed-9986-6fb24ba2ea79" providerId="AD" clId="Web-{9E25CFD8-5CA1-E81F-DE54-47CAA7B1C89C}" dt="2020-11-20T16:01:21.049" v="1397" actId="1076"/>
-          <ac:picMkLst>
-            <pc:docMk/>
-            <pc:sldMk cId="2189220100" sldId="283"/>
-            <ac:picMk id="2" creationId="{7D417BF6-C2F1-4DC6-8506-B310DA2AEE5B}"/>
-          </ac:picMkLst>
-        </pc:picChg>
-        <pc:picChg chg="add mod">
-          <ac:chgData name="Vitus Forsmann" userId="S::forsmann@objectcode.de::f3f602c2-190d-40ed-9986-6fb24ba2ea79" providerId="AD" clId="Web-{9E25CFD8-5CA1-E81F-DE54-47CAA7B1C89C}" dt="2020-11-20T16:01:34.268" v="1400" actId="1076"/>
-          <ac:picMkLst>
-            <pc:docMk/>
-            <pc:sldMk cId="2189220100" sldId="283"/>
-            <ac:picMk id="3" creationId="{ED71AFD4-40DB-4BF6-9FCF-1731675C4FE4}"/>
-          </ac:picMkLst>
-        </pc:picChg>
-        <pc:picChg chg="add del mod">
-          <ac:chgData name="Vitus Forsmann" userId="S::forsmann@objectcode.de::f3f602c2-190d-40ed-9986-6fb24ba2ea79" providerId="AD" clId="Web-{9E25CFD8-5CA1-E81F-DE54-47CAA7B1C89C}" dt="2020-11-20T15:51:16.417" v="1100"/>
-          <ac:picMkLst>
-            <pc:docMk/>
-            <pc:sldMk cId="2189220100" sldId="283"/>
-            <ac:picMk id="4" creationId="{189C0AF2-B3E2-4A08-A004-579707B8C930}"/>
-          </ac:picMkLst>
-        </pc:picChg>
-        <pc:picChg chg="add mod">
-          <ac:chgData name="Vitus Forsmann" userId="S::forsmann@objectcode.de::f3f602c2-190d-40ed-9986-6fb24ba2ea79" providerId="AD" clId="Web-{9E25CFD8-5CA1-E81F-DE54-47CAA7B1C89C}" dt="2020-11-20T16:01:33.018" v="1399" actId="1076"/>
-          <ac:picMkLst>
-            <pc:docMk/>
-            <pc:sldMk cId="2189220100" sldId="283"/>
-            <ac:picMk id="5" creationId="{CB7382FB-457F-4124-8A5C-84B83D086749}"/>
-          </ac:picMkLst>
-        </pc:picChg>
-        <pc:picChg chg="add del mod">
-          <ac:chgData name="Vitus Forsmann" userId="S::forsmann@objectcode.de::f3f602c2-190d-40ed-9986-6fb24ba2ea79" providerId="AD" clId="Web-{9E25CFD8-5CA1-E81F-DE54-47CAA7B1C89C}" dt="2020-11-20T15:58:55.829" v="1342"/>
-          <ac:picMkLst>
-            <pc:docMk/>
-            <pc:sldMk cId="2189220100" sldId="283"/>
-            <ac:picMk id="6" creationId="{B563318F-F483-4A07-8A4E-DA62393E167B}"/>
-          </ac:picMkLst>
-        </pc:picChg>
-        <pc:picChg chg="add mod">
-          <ac:chgData name="Vitus Forsmann" userId="S::forsmann@objectcode.de::f3f602c2-190d-40ed-9986-6fb24ba2ea79" providerId="AD" clId="Web-{9E25CFD8-5CA1-E81F-DE54-47CAA7B1C89C}" dt="2020-11-20T15:58:58.782" v="1343" actId="1076"/>
-          <ac:picMkLst>
-            <pc:docMk/>
-            <pc:sldMk cId="2189220100" sldId="283"/>
-            <ac:picMk id="7" creationId="{3DE8390F-42F0-43B9-88B8-3F5EFFE65631}"/>
-          </ac:picMkLst>
-        </pc:picChg>
-        <pc:picChg chg="add mod">
-          <ac:chgData name="Vitus Forsmann" userId="S::forsmann@objectcode.de::f3f602c2-190d-40ed-9986-6fb24ba2ea79" providerId="AD" clId="Web-{9E25CFD8-5CA1-E81F-DE54-47CAA7B1C89C}" dt="2020-11-20T16:00:34.205" v="1368" actId="1076"/>
-          <ac:picMkLst>
-            <pc:docMk/>
-            <pc:sldMk cId="2189220100" sldId="283"/>
-            <ac:picMk id="8" creationId="{9B2F5317-B5EC-455B-B20D-17D18013D856}"/>
-          </ac:picMkLst>
-        </pc:picChg>
-      </pc:sldChg>
-      <pc:sldChg chg="addSp delSp modSp add replId">
-        <pc:chgData name="Vitus Forsmann" userId="S::forsmann@objectcode.de::f3f602c2-190d-40ed-9986-6fb24ba2ea79" providerId="AD" clId="Web-{9E25CFD8-5CA1-E81F-DE54-47CAA7B1C89C}" dt="2020-11-20T16:20:55.283" v="2022" actId="20577"/>
-        <pc:sldMkLst>
-          <pc:docMk/>
-          <pc:sldMk cId="235778858" sldId="284"/>
-        </pc:sldMkLst>
-        <pc:spChg chg="add mod">
-          <ac:chgData name="Vitus Forsmann" userId="S::forsmann@objectcode.de::f3f602c2-190d-40ed-9986-6fb24ba2ea79" providerId="AD" clId="Web-{9E25CFD8-5CA1-E81F-DE54-47CAA7B1C89C}" dt="2020-11-20T16:18:37.969" v="1914" actId="20577"/>
-          <ac:spMkLst>
-            <pc:docMk/>
-            <pc:sldMk cId="235778858" sldId="284"/>
-            <ac:spMk id="2" creationId="{EAA79DD1-6D40-4D8B-ACDC-D26A0FCD5F8D}"/>
-          </ac:spMkLst>
-        </pc:spChg>
-        <pc:spChg chg="mod">
-          <ac:chgData name="Vitus Forsmann" userId="S::forsmann@objectcode.de::f3f602c2-190d-40ed-9986-6fb24ba2ea79" providerId="AD" clId="Web-{9E25CFD8-5CA1-E81F-DE54-47CAA7B1C89C}" dt="2020-11-20T16:20:55.283" v="2022" actId="20577"/>
-          <ac:spMkLst>
-            <pc:docMk/>
-            <pc:sldMk cId="235778858" sldId="284"/>
-            <ac:spMk id="3" creationId="{3BCBED3C-BBCE-4E91-8B71-DBC9CDE0D62F}"/>
-          </ac:spMkLst>
-        </pc:spChg>
-        <pc:spChg chg="mod">
-          <ac:chgData name="Vitus Forsmann" userId="S::forsmann@objectcode.de::f3f602c2-190d-40ed-9986-6fb24ba2ea79" providerId="AD" clId="Web-{9E25CFD8-5CA1-E81F-DE54-47CAA7B1C89C}" dt="2020-11-20T16:18:22.515" v="1906" actId="20577"/>
-          <ac:spMkLst>
-            <pc:docMk/>
-            <pc:sldMk cId="235778858" sldId="284"/>
-            <ac:spMk id="140" creationId="{00000000-0000-0000-0000-000000000000}"/>
-          </ac:spMkLst>
-        </pc:spChg>
-        <pc:spChg chg="mod">
-          <ac:chgData name="Vitus Forsmann" userId="S::forsmann@objectcode.de::f3f602c2-190d-40ed-9986-6fb24ba2ea79" providerId="AD" clId="Web-{9E25CFD8-5CA1-E81F-DE54-47CAA7B1C89C}" dt="2020-11-20T16:18:19.093" v="1903" actId="20577"/>
-          <ac:spMkLst>
-            <pc:docMk/>
-            <pc:sldMk cId="235778858" sldId="284"/>
-            <ac:spMk id="142" creationId="{00000000-0000-0000-0000-000000000000}"/>
-          </ac:spMkLst>
-        </pc:spChg>
-        <pc:picChg chg="del">
-          <ac:chgData name="Vitus Forsmann" userId="S::forsmann@objectcode.de::f3f602c2-190d-40ed-9986-6fb24ba2ea79" providerId="AD" clId="Web-{9E25CFD8-5CA1-E81F-DE54-47CAA7B1C89C}" dt="2020-11-20T16:18:48.625" v="1915"/>
-          <ac:picMkLst>
-            <pc:docMk/>
-            <pc:sldMk cId="235778858" sldId="284"/>
-            <ac:picMk id="4" creationId="{49C32234-ACDC-42DB-8B6D-70F5E8DECA26}"/>
-          </ac:picMkLst>
-        </pc:picChg>
-      </pc:sldChg>
-      <pc:sldChg chg="modSp add ord replId">
-        <pc:chgData name="Vitus Forsmann" userId="S::forsmann@objectcode.de::f3f602c2-190d-40ed-9986-6fb24ba2ea79" providerId="AD" clId="Web-{9E25CFD8-5CA1-E81F-DE54-47CAA7B1C89C}" dt="2020-11-20T17:29:20.147" v="4061" actId="20577"/>
-        <pc:sldMkLst>
-          <pc:docMk/>
-          <pc:sldMk cId="1522899498" sldId="285"/>
-        </pc:sldMkLst>
-        <pc:spChg chg="mod">
-          <ac:chgData name="Vitus Forsmann" userId="S::forsmann@objectcode.de::f3f602c2-190d-40ed-9986-6fb24ba2ea79" providerId="AD" clId="Web-{9E25CFD8-5CA1-E81F-DE54-47CAA7B1C89C}" dt="2020-11-20T17:29:20.147" v="4061" actId="20577"/>
-          <ac:spMkLst>
-            <pc:docMk/>
-            <pc:sldMk cId="1522899498" sldId="285"/>
-            <ac:spMk id="162" creationId="{00000000-0000-0000-0000-000000000000}"/>
-          </ac:spMkLst>
-        </pc:spChg>
-      </pc:sldChg>
-      <pc:sldChg chg="add del replId">
-        <pc:chgData name="Vitus Forsmann" userId="S::forsmann@objectcode.de::f3f602c2-190d-40ed-9986-6fb24ba2ea79" providerId="AD" clId="Web-{9E25CFD8-5CA1-E81F-DE54-47CAA7B1C89C}" dt="2020-11-20T17:29:49.710" v="4065"/>
-        <pc:sldMkLst>
-          <pc:docMk/>
-          <pc:sldMk cId="2451208873" sldId="286"/>
-        </pc:sldMkLst>
-      </pc:sldChg>
-      <pc:sldChg chg="addSp delSp modSp add ord replId">
-        <pc:chgData name="Vitus Forsmann" userId="S::forsmann@objectcode.de::f3f602c2-190d-40ed-9986-6fb24ba2ea79" providerId="AD" clId="Web-{9E25CFD8-5CA1-E81F-DE54-47CAA7B1C89C}" dt="2020-11-20T17:54:02.681" v="4441"/>
-        <pc:sldMkLst>
-          <pc:docMk/>
-          <pc:sldMk cId="236251430" sldId="287"/>
-        </pc:sldMkLst>
-        <pc:spChg chg="del mod">
-          <ac:chgData name="Vitus Forsmann" userId="S::forsmann@objectcode.de::f3f602c2-190d-40ed-9986-6fb24ba2ea79" providerId="AD" clId="Web-{9E25CFD8-5CA1-E81F-DE54-47CAA7B1C89C}" dt="2020-11-20T17:31:14.836" v="4067"/>
-          <ac:spMkLst>
-            <pc:docMk/>
-            <pc:sldMk cId="236251430" sldId="287"/>
-            <ac:spMk id="154" creationId="{00000000-0000-0000-0000-000000000000}"/>
-          </ac:spMkLst>
-        </pc:spChg>
-        <pc:graphicFrameChg chg="add del mod modGraphic">
-          <ac:chgData name="Vitus Forsmann" userId="S::forsmann@objectcode.de::f3f602c2-190d-40ed-9986-6fb24ba2ea79" providerId="AD" clId="Web-{9E25CFD8-5CA1-E81F-DE54-47CAA7B1C89C}" dt="2020-11-20T17:32:02.227" v="4074"/>
-          <ac:graphicFrameMkLst>
-            <pc:docMk/>
-            <pc:sldMk cId="236251430" sldId="287"/>
-            <ac:graphicFrameMk id="2" creationId="{03064FCE-140C-46F4-A2D1-FC5648C92F9B}"/>
-          </ac:graphicFrameMkLst>
-        </pc:graphicFrameChg>
-        <pc:graphicFrameChg chg="add del mod modGraphic">
-          <ac:chgData name="Vitus Forsmann" userId="S::forsmann@objectcode.de::f3f602c2-190d-40ed-9986-6fb24ba2ea79" providerId="AD" clId="Web-{9E25CFD8-5CA1-E81F-DE54-47CAA7B1C89C}" dt="2020-11-20T17:34:06.791" v="4152"/>
-          <ac:graphicFrameMkLst>
-            <pc:docMk/>
-            <pc:sldMk cId="236251430" sldId="287"/>
-            <ac:graphicFrameMk id="3" creationId="{7E482265-9BFC-4EE5-932D-C56A61CE1190}"/>
-          </ac:graphicFrameMkLst>
-        </pc:graphicFrameChg>
-        <pc:graphicFrameChg chg="add del mod modGraphic">
-          <ac:chgData name="Vitus Forsmann" userId="S::forsmann@objectcode.de::f3f602c2-190d-40ed-9986-6fb24ba2ea79" providerId="AD" clId="Web-{9E25CFD8-5CA1-E81F-DE54-47CAA7B1C89C}" dt="2020-11-20T17:33:56.088" v="4149"/>
-          <ac:graphicFrameMkLst>
-            <pc:docMk/>
-            <pc:sldMk cId="236251430" sldId="287"/>
-            <ac:graphicFrameMk id="4" creationId="{4EFCDB5D-E035-44E5-9AA7-DAA7856F1F95}"/>
-          </ac:graphicFrameMkLst>
-        </pc:graphicFrameChg>
-        <pc:graphicFrameChg chg="add mod modGraphic">
-          <ac:chgData name="Vitus Forsmann" userId="S::forsmann@objectcode.de::f3f602c2-190d-40ed-9986-6fb24ba2ea79" providerId="AD" clId="Web-{9E25CFD8-5CA1-E81F-DE54-47CAA7B1C89C}" dt="2020-11-20T17:54:02.681" v="4441"/>
-          <ac:graphicFrameMkLst>
-            <pc:docMk/>
-            <pc:sldMk cId="236251430" sldId="287"/>
-            <ac:graphicFrameMk id="5" creationId="{6BE93CF4-8930-4338-8471-42CC0D876D19}"/>
-          </ac:graphicFrameMkLst>
-        </pc:graphicFrameChg>
-      </pc:sldChg>
-    </pc:docChg>
-  </pc:docChgLst>
-  <pc:docChgLst>
-    <pc:chgData name="Vitus Forsmann" userId="S::forsmann@objectcode.de::f3f602c2-190d-40ed-9986-6fb24ba2ea79" providerId="AD" clId="Web-{7D956C1B-57C9-5D8B-75D2-BBC33675FF44}"/>
-    <pc:docChg chg="modSld">
-      <pc:chgData name="Vitus Forsmann" userId="S::forsmann@objectcode.de::f3f602c2-190d-40ed-9986-6fb24ba2ea79" providerId="AD" clId="Web-{7D956C1B-57C9-5D8B-75D2-BBC33675FF44}" dt="2020-11-20T18:19:42.999" v="7" actId="20577"/>
-      <pc:docMkLst>
-        <pc:docMk/>
-      </pc:docMkLst>
-      <pc:sldChg chg="modSp">
-        <pc:chgData name="Vitus Forsmann" userId="S::forsmann@objectcode.de::f3f602c2-190d-40ed-9986-6fb24ba2ea79" providerId="AD" clId="Web-{7D956C1B-57C9-5D8B-75D2-BBC33675FF44}" dt="2020-11-20T18:19:42.999" v="7" actId="20577"/>
-        <pc:sldMkLst>
-          <pc:docMk/>
-          <pc:sldMk cId="2522530182" sldId="275"/>
-        </pc:sldMkLst>
-        <pc:spChg chg="mod">
-          <ac:chgData name="Vitus Forsmann" userId="S::forsmann@objectcode.de::f3f602c2-190d-40ed-9986-6fb24ba2ea79" providerId="AD" clId="Web-{7D956C1B-57C9-5D8B-75D2-BBC33675FF44}" dt="2020-11-20T18:19:42.999" v="7" actId="20577"/>
-          <ac:spMkLst>
-            <pc:docMk/>
-            <pc:sldMk cId="2522530182" sldId="275"/>
-            <ac:spMk id="2" creationId="{8D18683C-1D44-46A3-B4AC-E281C443B498}"/>
-          </ac:spMkLst>
-        </pc:spChg>
-        <pc:picChg chg="mod">
-          <ac:chgData name="Vitus Forsmann" userId="S::forsmann@objectcode.de::f3f602c2-190d-40ed-9986-6fb24ba2ea79" providerId="AD" clId="Web-{7D956C1B-57C9-5D8B-75D2-BBC33675FF44}" dt="2020-11-20T18:09:55.460" v="0" actId="1076"/>
-          <ac:picMkLst>
-            <pc:docMk/>
-            <pc:sldMk cId="2522530182" sldId="275"/>
-            <ac:picMk id="3" creationId="{00775BA1-0EBE-4266-9EF2-5A5BAAB5BC85}"/>
-          </ac:picMkLst>
-        </pc:picChg>
-      </pc:sldChg>
-    </pc:docChg>
-  </pc:docChgLst>
-</pc:chgInfo>
 </file>
 
 <file path=ppt/slideLayouts/slideLayout1.xml><?xml version="1.0" encoding="utf-8"?>
@@ -5996,6 +4507,29 @@
           </a:ln>
         </p:spPr>
       </p:pic>
+      <p:pic>
+        <p:nvPicPr>
+          <p:cNvPr id="3" name="Grafik 2"/>
+          <p:cNvPicPr/>
+          <p:nvPr/>
+        </p:nvPicPr>
+        <p:blipFill>
+          <a:blip r:embed="rId15"/>
+          <a:stretch/>
+        </p:blipFill>
+        <p:spPr>
+          <a:xfrm>
+            <a:off x="144000" y="117360"/>
+            <a:ext cx="3007800" cy="457920"/>
+          </a:xfrm>
+          <a:prstGeom prst="rect">
+            <a:avLst/>
+          </a:prstGeom>
+          <a:ln>
+            <a:noFill/>
+          </a:ln>
+        </p:spPr>
+      </p:pic>
       <p:sp>
         <p:nvSpPr>
           <p:cNvPr id="4" name="PlaceHolder 3"/>
@@ -6188,45 +4722,6 @@
           </a:p>
         </p:txBody>
       </p:sp>
-      <p:pic>
-        <p:nvPicPr>
-          <p:cNvPr id="9" name="Grafik 8">
-            <a:extLst>
-              <a:ext uri="{FF2B5EF4-FFF2-40B4-BE49-F238E27FC236}">
-                <a16:creationId xmlns:a16="http://schemas.microsoft.com/office/drawing/2014/main" id="{E9216A62-553C-42C6-A3B6-56EB2560BE95}"/>
-              </a:ext>
-            </a:extLst>
-          </p:cNvPr>
-          <p:cNvPicPr>
-            <a:picLocks noChangeAspect="1"/>
-          </p:cNvPicPr>
-          <p:nvPr userDrawn="1"/>
-        </p:nvPicPr>
-        <p:blipFill>
-          <a:blip r:embed="rId15">
-            <a:extLst>
-              <a:ext uri="{28A0092B-C50C-407E-A947-70E740481C1C}">
-                <a14:useLocalDpi xmlns:a14="http://schemas.microsoft.com/office/drawing/2010/main" val="0"/>
-              </a:ext>
-              <a:ext uri="{96DAC541-7B7A-43D3-8B79-37D633B846F1}">
-                <asvg:svgBlip xmlns:asvg="http://schemas.microsoft.com/office/drawing/2016/SVG/main" r:embed="rId16"/>
-              </a:ext>
-            </a:extLst>
-          </a:blip>
-          <a:stretch>
-            <a:fillRect/>
-          </a:stretch>
-        </p:blipFill>
-        <p:spPr>
-          <a:xfrm>
-            <a:off x="101111" y="87480"/>
-            <a:ext cx="3009900" cy="457200"/>
-          </a:xfrm>
-          <a:prstGeom prst="rect">
-            <a:avLst/>
-          </a:prstGeom>
-        </p:spPr>
-      </p:pic>
     </p:spTree>
   </p:cSld>
   <p:clrMap bg1="lt1" tx1="dk1" bg2="lt2" tx2="dk2" accent1="accent1" accent2="accent2" accent3="accent3" accent4="accent4" accent5="accent5" accent6="accent6" hlink="hlink" folHlink="folHlink"/>
@@ -6686,6 +5181,29 @@
           <a:fontRef idx="minor"/>
         </p:style>
       </p:sp>
+      <p:pic>
+        <p:nvPicPr>
+          <p:cNvPr id="45" name="Grafik 44"/>
+          <p:cNvPicPr/>
+          <p:nvPr/>
+        </p:nvPicPr>
+        <p:blipFill>
+          <a:blip r:embed="rId14"/>
+          <a:stretch/>
+        </p:blipFill>
+        <p:spPr>
+          <a:xfrm>
+            <a:off x="9087480" y="117360"/>
+            <a:ext cx="3007800" cy="457920"/>
+          </a:xfrm>
+          <a:prstGeom prst="rect">
+            <a:avLst/>
+          </a:prstGeom>
+          <a:ln>
+            <a:noFill/>
+          </a:ln>
+        </p:spPr>
+      </p:pic>
       <p:sp>
         <p:nvSpPr>
           <p:cNvPr id="46" name="PlaceHolder 4"/>
@@ -6878,45 +5396,6 @@
           </a:p>
         </p:txBody>
       </p:sp>
-      <p:pic>
-        <p:nvPicPr>
-          <p:cNvPr id="8" name="Grafik 7">
-            <a:extLst>
-              <a:ext uri="{FF2B5EF4-FFF2-40B4-BE49-F238E27FC236}">
-                <a16:creationId xmlns:a16="http://schemas.microsoft.com/office/drawing/2014/main" id="{17A69FDA-95BB-471F-A167-D67EB502FCCC}"/>
-              </a:ext>
-            </a:extLst>
-          </p:cNvPr>
-          <p:cNvPicPr>
-            <a:picLocks noChangeAspect="1"/>
-          </p:cNvPicPr>
-          <p:nvPr userDrawn="1"/>
-        </p:nvPicPr>
-        <p:blipFill>
-          <a:blip r:embed="rId14">
-            <a:extLst>
-              <a:ext uri="{28A0092B-C50C-407E-A947-70E740481C1C}">
-                <a14:useLocalDpi xmlns:a14="http://schemas.microsoft.com/office/drawing/2010/main" val="0"/>
-              </a:ext>
-              <a:ext uri="{96DAC541-7B7A-43D3-8B79-37D633B846F1}">
-                <asvg:svgBlip xmlns:asvg="http://schemas.microsoft.com/office/drawing/2016/SVG/main" r:embed="rId15"/>
-              </a:ext>
-            </a:extLst>
-          </a:blip>
-          <a:stretch>
-            <a:fillRect/>
-          </a:stretch>
-        </p:blipFill>
-        <p:spPr>
-          <a:xfrm>
-            <a:off x="9104434" y="87480"/>
-            <a:ext cx="3009900" cy="457200"/>
-          </a:xfrm>
-          <a:prstGeom prst="rect">
-            <a:avLst/>
-          </a:prstGeom>
-        </p:spPr>
-      </p:pic>
     </p:spTree>
   </p:cSld>
   <p:clrMap bg1="lt1" tx1="dk1" bg2="lt2" tx2="dk2" accent1="accent1" accent2="accent2" accent3="accent3" accent4="accent4" accent5="accent5" accent6="accent6" hlink="hlink" folHlink="folHlink"/>
@@ -7401,6 +5880,29 @@
           </a:ln>
         </p:spPr>
       </p:pic>
+      <p:pic>
+        <p:nvPicPr>
+          <p:cNvPr id="88" name="Grafik 87"/>
+          <p:cNvPicPr/>
+          <p:nvPr/>
+        </p:nvPicPr>
+        <p:blipFill>
+          <a:blip r:embed="rId15"/>
+          <a:stretch/>
+        </p:blipFill>
+        <p:spPr>
+          <a:xfrm>
+            <a:off x="9087480" y="117360"/>
+            <a:ext cx="3007800" cy="457920"/>
+          </a:xfrm>
+          <a:prstGeom prst="rect">
+            <a:avLst/>
+          </a:prstGeom>
+          <a:ln>
+            <a:noFill/>
+          </a:ln>
+        </p:spPr>
+      </p:pic>
       <p:sp>
         <p:nvSpPr>
           <p:cNvPr id="89" name="PlaceHolder 4"/>
@@ -7593,45 +6095,6 @@
           </a:p>
         </p:txBody>
       </p:sp>
-      <p:pic>
-        <p:nvPicPr>
-          <p:cNvPr id="9" name="Grafik 8">
-            <a:extLst>
-              <a:ext uri="{FF2B5EF4-FFF2-40B4-BE49-F238E27FC236}">
-                <a16:creationId xmlns:a16="http://schemas.microsoft.com/office/drawing/2014/main" id="{B137DF68-7FF4-4AB3-BEAB-6382610A5F01}"/>
-              </a:ext>
-            </a:extLst>
-          </p:cNvPr>
-          <p:cNvPicPr>
-            <a:picLocks noChangeAspect="1"/>
-          </p:cNvPicPr>
-          <p:nvPr userDrawn="1"/>
-        </p:nvPicPr>
-        <p:blipFill>
-          <a:blip r:embed="rId15">
-            <a:extLst>
-              <a:ext uri="{28A0092B-C50C-407E-A947-70E740481C1C}">
-                <a14:useLocalDpi xmlns:a14="http://schemas.microsoft.com/office/drawing/2010/main" val="0"/>
-              </a:ext>
-              <a:ext uri="{96DAC541-7B7A-43D3-8B79-37D633B846F1}">
-                <asvg:svgBlip xmlns:asvg="http://schemas.microsoft.com/office/drawing/2016/SVG/main" r:embed="rId16"/>
-              </a:ext>
-            </a:extLst>
-          </a:blip>
-          <a:stretch>
-            <a:fillRect/>
-          </a:stretch>
-        </p:blipFill>
-        <p:spPr>
-          <a:xfrm>
-            <a:off x="9104434" y="87480"/>
-            <a:ext cx="3009900" cy="457200"/>
-          </a:xfrm>
-          <a:prstGeom prst="rect">
-            <a:avLst/>
-          </a:prstGeom>
-        </p:spPr>
-      </p:pic>
     </p:spTree>
   </p:cSld>
   <p:clrMap bg1="lt1" tx1="dk1" bg2="lt2" tx2="dk2" accent1="accent1" accent2="accent2" accent3="accent3" accent4="accent4" accent5="accent5" accent6="accent6" hlink="hlink" folHlink="folHlink"/>
@@ -9548,44 +8011,108 @@
               <a:buChar char="•"/>
             </a:pPr>
             <a:r>
-              <a:rPr lang="de-DE" sz="2400" spc="-1">
+              <a:rPr lang="de-DE" sz="2200" spc="-1" dirty="0">
                 <a:latin typeface="Arial"/>
                 <a:cs typeface="Arial"/>
               </a:rPr>
-              <a:t>Um die Zeebe-Engine zu starten führen Sie bitte in einem seperatem Terminal im Verzeichnis </a:t>
-            </a:r>
-            <a:r>
-              <a:rPr lang="de-DE" sz="2400" b="1" spc="-1">
+              <a:t>Um die </a:t>
+            </a:r>
+            <a:r>
+              <a:rPr lang="de-DE" sz="2200" spc="-1" dirty="0" err="1">
                 <a:latin typeface="Arial"/>
                 <a:cs typeface="Arial"/>
               </a:rPr>
-              <a:t>"xxx/docker"</a:t>
-            </a:r>
-            <a:r>
-              <a:rPr lang="de-DE" sz="2400" spc="-1">
+              <a:t>Zeebe</a:t>
+            </a:r>
+            <a:r>
+              <a:rPr lang="de-DE" sz="2200" spc="-1" dirty="0">
                 <a:latin typeface="Arial"/>
                 <a:cs typeface="Arial"/>
               </a:rPr>
+              <a:t>-Engine zu starten führen Sie bitte in einem separaten Terminal im Verzeichnis </a:t>
+            </a:r>
+            <a:r>
+              <a:rPr lang="de-DE" sz="2200" b="1" spc="-1" dirty="0">
+                <a:latin typeface="Arial"/>
+                <a:cs typeface="Arial"/>
+              </a:rPr>
+              <a:t>"xxx/</a:t>
+            </a:r>
+            <a:r>
+              <a:rPr lang="de-DE" sz="2200" b="1" spc="-1" dirty="0" err="1">
+                <a:latin typeface="Arial"/>
+                <a:cs typeface="Arial"/>
+              </a:rPr>
+              <a:t>docker</a:t>
+            </a:r>
+            <a:r>
+              <a:rPr lang="de-DE" sz="2200" b="1" spc="-1" dirty="0">
+                <a:latin typeface="Arial"/>
+                <a:cs typeface="Arial"/>
+              </a:rPr>
+              <a:t>"</a:t>
+            </a:r>
+            <a:r>
+              <a:rPr lang="de-DE" sz="2200" spc="-1" dirty="0">
+                <a:latin typeface="Arial"/>
+                <a:cs typeface="Arial"/>
+              </a:rPr>
               <a:t> den Befehl </a:t>
             </a:r>
             <a:r>
-              <a:rPr lang="de-DE" sz="2400" b="1" spc="-1">
+              <a:rPr lang="de-DE" sz="2200" b="1" spc="-1" dirty="0">
                 <a:cs typeface="Arial"/>
               </a:rPr>
-              <a:t>"docker-compose up"</a:t>
-            </a:r>
-            <a:r>
-              <a:rPr lang="de-DE" sz="2400" spc="-1">
+              <a:t>"</a:t>
+            </a:r>
+            <a:r>
+              <a:rPr lang="de-DE" sz="2200" b="1" spc="-1" dirty="0" err="1">
                 <a:cs typeface="Arial"/>
               </a:rPr>
+              <a:t>docker-compose</a:t>
+            </a:r>
+            <a:r>
+              <a:rPr lang="de-DE" sz="2200" b="1" spc="-1" dirty="0">
+                <a:cs typeface="Arial"/>
+              </a:rPr>
+              <a:t> </a:t>
+            </a:r>
+            <a:r>
+              <a:rPr lang="de-DE" sz="2200" b="1" spc="-1" dirty="0" err="1">
+                <a:cs typeface="Arial"/>
+              </a:rPr>
+              <a:t>up</a:t>
+            </a:r>
+            <a:r>
+              <a:rPr lang="de-DE" sz="2200" b="1" spc="-1" dirty="0">
+                <a:cs typeface="Arial"/>
+              </a:rPr>
+              <a:t> –</a:t>
+            </a:r>
+            <a:r>
+              <a:rPr lang="de-DE" sz="2200" b="1" spc="-1" dirty="0" err="1">
+                <a:cs typeface="Arial"/>
+              </a:rPr>
+              <a:t>force-recreate</a:t>
+            </a:r>
+            <a:r>
+              <a:rPr lang="de-DE" sz="2200" b="1" spc="-1" dirty="0">
+                <a:cs typeface="Arial"/>
+              </a:rPr>
+              <a:t>"</a:t>
+            </a:r>
+            <a:r>
+              <a:rPr lang="de-DE" sz="2200" spc="-1" dirty="0">
+                <a:cs typeface="Arial"/>
+              </a:rPr>
               <a:t> aus.</a:t>
             </a:r>
             <a:br>
-              <a:rPr lang="de-DE" sz="2400" spc="-1">
+              <a:rPr lang="de-DE" sz="2200" spc="-1" dirty="0">
                 <a:cs typeface="Arial"/>
               </a:rPr>
             </a:br>
-            <a:endParaRPr lang="de-DE"/>
+            <a:endParaRPr lang="de-DE" sz="2200"/>
           </a:p>
           <a:p>
             <a:pPr marL="344805" indent="-342900">
@@ -9599,7 +8126,7 @@
               <a:buChar char="•"/>
             </a:pPr>
             <a:r>
-              <a:rPr lang="de-DE" sz="2400" spc="-1">
+              <a:rPr lang="de-DE" sz="2200" spc="-1" dirty="0">
                 <a:cs typeface="Arial"/>
               </a:rPr>
               <a:t>Wenn die Ausführung gestartet ist können Sie fortfahren, das Startup kann bis zu 5 Minuten dauern (abhängig vom Download-Speed)</a:t>
@@ -13054,7 +11581,7 @@
               <a:buAutoNum type="arabicPeriod"/>
             </a:pPr>
             <a:r>
-              <a:rPr lang="de-DE" sz="2400" b="0" strike="noStrike" spc="-1" dirty="0">
+              <a:rPr lang="de-DE" sz="2400" b="0" strike="noStrike" spc="-1">
                 <a:solidFill>
                   <a:srgbClr val="000000"/>
                 </a:solidFill>
@@ -13063,7 +11590,7 @@
               </a:rPr>
               <a:t>Einführung</a:t>
             </a:r>
-            <a:endParaRPr lang="de-DE" sz="2400" b="0" strike="noStrike" spc="-1" dirty="0">
+            <a:endParaRPr lang="de-DE" sz="2400" b="0" strike="noStrike" spc="-1">
               <a:latin typeface="Arial"/>
             </a:endParaRPr>
           </a:p>
@@ -13079,7 +11606,7 @@
               <a:buChar char="•"/>
             </a:pPr>
             <a:r>
-              <a:rPr lang="de-DE" spc="-1" dirty="0">
+              <a:rPr lang="de-DE" spc="-1">
                 <a:solidFill>
                   <a:srgbClr val="000000"/>
                 </a:solidFill>
@@ -13101,7 +11628,7 @@
               <a:buChar char="•"/>
             </a:pPr>
             <a:r>
-              <a:rPr lang="de-DE" spc="-1" dirty="0" err="1">
+              <a:rPr lang="de-DE" spc="-1" err="1">
                 <a:solidFill>
                   <a:srgbClr val="000000"/>
                 </a:solidFill>
@@ -13110,7 +11637,7 @@
               </a:rPr>
               <a:t>Zeebe</a:t>
             </a:r>
-            <a:endParaRPr lang="de-DE" spc="-1" dirty="0">
+            <a:endParaRPr lang="de-DE" spc="-1">
               <a:solidFill>
                 <a:srgbClr val="000000"/>
               </a:solidFill>
@@ -13130,7 +11657,7 @@
               <a:buChar char="•"/>
             </a:pPr>
             <a:r>
-              <a:rPr lang="de-DE" spc="-1" dirty="0">
+              <a:rPr lang="de-DE" spc="-1">
                 <a:solidFill>
                   <a:srgbClr val="000000"/>
                 </a:solidFill>
@@ -13140,7 +11667,7 @@
               <a:t>Wie löst </a:t>
             </a:r>
             <a:r>
-              <a:rPr lang="de-DE" spc="-1" dirty="0" err="1">
+              <a:rPr lang="de-DE" spc="-1" err="1">
                 <a:solidFill>
                   <a:srgbClr val="000000"/>
                 </a:solidFill>
@@ -13150,7 +11677,7 @@
               <a:t>Zeebe</a:t>
             </a:r>
             <a:r>
-              <a:rPr lang="de-DE" spc="-1" dirty="0">
+              <a:rPr lang="de-DE" spc="-1">
                 <a:solidFill>
                   <a:srgbClr val="000000"/>
                 </a:solidFill>
@@ -13175,7 +11702,7 @@
               <a:buAutoNum type="arabicPeriod"/>
             </a:pPr>
             <a:r>
-              <a:rPr lang="de-DE" sz="2400" b="0" strike="noStrike" spc="-1" dirty="0">
+              <a:rPr lang="de-DE" sz="2400" b="0" strike="noStrike" spc="-1">
                 <a:solidFill>
                   <a:srgbClr val="000000"/>
                 </a:solidFill>
@@ -13210,7 +11737,7 @@
               <a:buAutoNum type="arabicPeriod"/>
             </a:pPr>
             <a:r>
-              <a:rPr lang="de-DE" sz="2400" b="0" strike="noStrike" spc="-1" dirty="0">
+              <a:rPr lang="de-DE" sz="2400" b="0" strike="noStrike" spc="-1">
                 <a:solidFill>
                   <a:srgbClr val="000000"/>
                 </a:solidFill>
@@ -13220,46 +11747,36 @@
               <a:t>Übung: </a:t>
             </a:r>
             <a:r>
-              <a:rPr lang="de-DE" sz="2400" spc="-1" dirty="0" err="1">
+              <a:rPr lang="de-DE" sz="2400" spc="-1">
                 <a:solidFill>
                   <a:srgbClr val="000000"/>
                 </a:solidFill>
                 <a:latin typeface="Arial"/>
                 <a:ea typeface="DejaVu Sans"/>
               </a:rPr>
-              <a:t>Zeebe</a:t>
-            </a:r>
-            <a:r>
-              <a:rPr lang="de-DE" sz="2400" spc="-1" dirty="0">
+              <a:t>Zeebe-ZBCTL</a:t>
+            </a:r>
+            <a:r>
+              <a:rPr lang="de-DE" sz="2400" b="0" strike="noStrike" spc="-1">
                 <a:solidFill>
                   <a:srgbClr val="000000"/>
                 </a:solidFill>
                 <a:latin typeface="Arial"/>
                 <a:ea typeface="DejaVu Sans"/>
               </a:rPr>
-              <a:t>-ZBCTL</a:t>
-            </a:r>
-            <a:r>
-              <a:rPr lang="de-DE" sz="2400" b="0" strike="noStrike" spc="-1" dirty="0">
+              <a:t> als CLI</a:t>
+            </a:r>
+            <a:r>
+              <a:rPr lang="de-DE" sz="2400" spc="-1">
                 <a:solidFill>
                   <a:srgbClr val="000000"/>
                 </a:solidFill>
                 <a:latin typeface="Arial"/>
                 <a:ea typeface="DejaVu Sans"/>
               </a:rPr>
-              <a:t> als CLI</a:t>
-            </a:r>
-            <a:r>
-              <a:rPr lang="de-DE" sz="2400" spc="-1" dirty="0">
-                <a:solidFill>
-                  <a:srgbClr val="000000"/>
-                </a:solidFill>
-                <a:latin typeface="Arial"/>
-                <a:ea typeface="DejaVu Sans"/>
-              </a:rPr>
               <a:t> </a:t>
             </a:r>
-            <a:endParaRPr lang="de-DE" sz="2400" b="0" strike="noStrike" spc="-1" dirty="0">
+            <a:endParaRPr lang="de-DE" sz="2400" b="0" strike="noStrike" spc="-1">
               <a:latin typeface="Arial"/>
             </a:endParaRPr>
           </a:p>
@@ -13278,7 +11795,7 @@
               <a:buAutoNum type="arabicPeriod"/>
             </a:pPr>
             <a:r>
-              <a:rPr lang="de-DE" sz="2400" b="0" strike="noStrike" spc="-1" dirty="0">
+              <a:rPr lang="de-DE" sz="2400" b="0" strike="noStrike" spc="-1">
                 <a:solidFill>
                   <a:srgbClr val="000000"/>
                 </a:solidFill>
@@ -13288,7 +11805,7 @@
               <a:t>Übung: </a:t>
             </a:r>
             <a:r>
-              <a:rPr lang="de-DE" sz="2400" b="0" strike="noStrike" spc="-1" dirty="0" err="1">
+              <a:rPr lang="de-DE" sz="2400" b="0" strike="noStrike" spc="-1" err="1">
                 <a:solidFill>
                   <a:srgbClr val="000000"/>
                 </a:solidFill>
@@ -13298,7 +11815,7 @@
               <a:t>Zeebe</a:t>
             </a:r>
             <a:r>
-              <a:rPr lang="de-DE" sz="2400" b="0" strike="noStrike" spc="-1" dirty="0">
+              <a:rPr lang="de-DE" sz="2400" b="0" strike="noStrike" spc="-1">
                 <a:solidFill>
                   <a:srgbClr val="000000"/>
                 </a:solidFill>
@@ -13319,7 +11836,7 @@
               <a:buAutoNum type="arabicPeriod"/>
             </a:pPr>
             <a:r>
-              <a:rPr lang="de-DE" sz="2400" spc="-1" dirty="0">
+              <a:rPr lang="de-DE" sz="2400" spc="-1">
                 <a:latin typeface="Arial"/>
               </a:rPr>
               <a:t>Zusammenfassung</a:t>
@@ -14181,15 +12698,25 @@
               </a:lnSpc>
             </a:pPr>
             <a:r>
-              <a:rPr lang="de-DE" sz="5400" spc="-1" dirty="0">
+              <a:rPr lang="de-DE" sz="5400" spc="-1">
                 <a:solidFill>
                   <a:srgbClr val="000000"/>
                 </a:solidFill>
                 <a:latin typeface="Arial"/>
               </a:rPr>
-              <a:t>Zusammenfassung</a:t>
-            </a:r>
-            <a:endParaRPr lang="de-DE" sz="5400" b="0" strike="noStrike" spc="-1" dirty="0">
+              <a:t>Zusammenfassung und Ausblick</a:t>
+            </a:r>
+            <a:endParaRPr lang="de-DE" sz="5400" b="0" strike="noStrike" spc="-1">
+              <a:latin typeface="Arial"/>
+            </a:endParaRPr>
+          </a:p>
+          <a:p>
+            <a:pPr>
+              <a:lnSpc>
+                <a:spcPct val="85000"/>
+              </a:lnSpc>
+            </a:pPr>
+            <a:endParaRPr lang="de-DE" sz="5400" b="0" strike="noStrike" spc="-1">
               <a:latin typeface="Arial"/>
             </a:endParaRPr>
           </a:p>
